--- a/2019-11-28 - GDG Cork DevFest - Google BigQuery.pptx
+++ b/2019-11-28 - GDG Cork DevFest - Google BigQuery.pptx
@@ -11,15 +11,15 @@
   <p:sldIdLst>
     <p:sldId id="261" r:id="rId3"/>
     <p:sldId id="270" r:id="rId4"/>
-    <p:sldId id="268" r:id="rId5"/>
-    <p:sldId id="264" r:id="rId6"/>
-    <p:sldId id="271" r:id="rId7"/>
+    <p:sldId id="271" r:id="rId5"/>
+    <p:sldId id="268" r:id="rId6"/>
+    <p:sldId id="264" r:id="rId7"/>
     <p:sldId id="266" r:id="rId8"/>
     <p:sldId id="263" r:id="rId9"/>
-    <p:sldId id="269" r:id="rId10"/>
-    <p:sldId id="273" r:id="rId11"/>
-    <p:sldId id="272" r:id="rId12"/>
-    <p:sldId id="267" r:id="rId13"/>
+    <p:sldId id="273" r:id="rId10"/>
+    <p:sldId id="272" r:id="rId11"/>
+    <p:sldId id="267" r:id="rId12"/>
+    <p:sldId id="274" r:id="rId13"/>
   </p:sldIdLst>
   <p:sldSz cx="12192000" cy="6858000"/>
   <p:notesSz cx="6858000" cy="9144000"/>
@@ -126,6 +126,11 @@
             <a:srgbClr val="A4A3A4"/>
           </p15:clr>
         </p15:guide>
+        <p15:guide id="3" orient="horz" pos="2160">
+          <p15:clr>
+            <a:srgbClr val="A4A3A4"/>
+          </p15:clr>
+        </p15:guide>
       </p15:sldGuideLst>
     </p:ext>
   </p:extLst>
@@ -214,7 +219,7 @@
           <a:p>
             <a:fld id="{B2D2EF28-AEE7-438C-A6F0-78A7FF752790}" type="datetimeFigureOut">
               <a:rPr lang="en-IE" smtClean="0"/>
-              <a:t>26/11/2019</a:t>
+              <a:t>28/11/2019</a:t>
             </a:fld>
             <a:endParaRPr lang="en-IE"/>
           </a:p>
@@ -735,7 +740,7 @@
           <a:p>
             <a:fld id="{7842DD24-AC48-4869-9A26-33F17258B0F9}" type="datetimeFigureOut">
               <a:rPr lang="en-IE" smtClean="0"/>
-              <a:t>26/11/2019</a:t>
+              <a:t>28/11/2019</a:t>
             </a:fld>
             <a:endParaRPr lang="en-IE"/>
           </a:p>
@@ -940,7 +945,7 @@
           <a:p>
             <a:fld id="{7842DD24-AC48-4869-9A26-33F17258B0F9}" type="datetimeFigureOut">
               <a:rPr lang="en-IE" smtClean="0"/>
-              <a:t>26/11/2019</a:t>
+              <a:t>28/11/2019</a:t>
             </a:fld>
             <a:endParaRPr lang="en-IE"/>
           </a:p>
@@ -1150,7 +1155,7 @@
           <a:p>
             <a:fld id="{7842DD24-AC48-4869-9A26-33F17258B0F9}" type="datetimeFigureOut">
               <a:rPr lang="en-IE" smtClean="0"/>
-              <a:t>26/11/2019</a:t>
+              <a:t>28/11/2019</a:t>
             </a:fld>
             <a:endParaRPr lang="en-IE"/>
           </a:p>
@@ -3596,7 +3601,7 @@
           <a:p>
             <a:fld id="{7842DD24-AC48-4869-9A26-33F17258B0F9}" type="datetimeFigureOut">
               <a:rPr lang="en-IE" smtClean="0"/>
-              <a:t>26/11/2019</a:t>
+              <a:t>28/11/2019</a:t>
             </a:fld>
             <a:endParaRPr lang="en-IE"/>
           </a:p>
@@ -3872,7 +3877,7 @@
           <a:p>
             <a:fld id="{7842DD24-AC48-4869-9A26-33F17258B0F9}" type="datetimeFigureOut">
               <a:rPr lang="en-IE" smtClean="0"/>
-              <a:t>26/11/2019</a:t>
+              <a:t>28/11/2019</a:t>
             </a:fld>
             <a:endParaRPr lang="en-IE"/>
           </a:p>
@@ -4145,7 +4150,7 @@
           <a:p>
             <a:fld id="{7842DD24-AC48-4869-9A26-33F17258B0F9}" type="datetimeFigureOut">
               <a:rPr lang="en-IE" smtClean="0"/>
-              <a:t>26/11/2019</a:t>
+              <a:t>28/11/2019</a:t>
             </a:fld>
             <a:endParaRPr lang="en-IE"/>
           </a:p>
@@ -4560,7 +4565,7 @@
           <a:p>
             <a:fld id="{7842DD24-AC48-4869-9A26-33F17258B0F9}" type="datetimeFigureOut">
               <a:rPr lang="en-IE" smtClean="0"/>
-              <a:t>26/11/2019</a:t>
+              <a:t>28/11/2019</a:t>
             </a:fld>
             <a:endParaRPr lang="en-IE"/>
           </a:p>
@@ -4707,7 +4712,7 @@
           <a:p>
             <a:fld id="{7842DD24-AC48-4869-9A26-33F17258B0F9}" type="datetimeFigureOut">
               <a:rPr lang="en-IE" smtClean="0"/>
-              <a:t>26/11/2019</a:t>
+              <a:t>28/11/2019</a:t>
             </a:fld>
             <a:endParaRPr lang="en-IE"/>
           </a:p>
@@ -4820,7 +4825,7 @@
           <a:p>
             <a:fld id="{7842DD24-AC48-4869-9A26-33F17258B0F9}" type="datetimeFigureOut">
               <a:rPr lang="en-IE" smtClean="0"/>
-              <a:t>26/11/2019</a:t>
+              <a:t>28/11/2019</a:t>
             </a:fld>
             <a:endParaRPr lang="en-IE"/>
           </a:p>
@@ -5133,7 +5138,7 @@
           <a:p>
             <a:fld id="{7842DD24-AC48-4869-9A26-33F17258B0F9}" type="datetimeFigureOut">
               <a:rPr lang="en-IE" smtClean="0"/>
-              <a:t>26/11/2019</a:t>
+              <a:t>28/11/2019</a:t>
             </a:fld>
             <a:endParaRPr lang="en-IE"/>
           </a:p>
@@ -5422,7 +5427,7 @@
           <a:p>
             <a:fld id="{7842DD24-AC48-4869-9A26-33F17258B0F9}" type="datetimeFigureOut">
               <a:rPr lang="en-IE" smtClean="0"/>
-              <a:t>26/11/2019</a:t>
+              <a:t>28/11/2019</a:t>
             </a:fld>
             <a:endParaRPr lang="en-IE"/>
           </a:p>
@@ -5665,7 +5670,7 @@
           <a:p>
             <a:fld id="{7842DD24-AC48-4869-9A26-33F17258B0F9}" type="datetimeFigureOut">
               <a:rPr lang="en-IE" smtClean="0"/>
-              <a:t>26/11/2019</a:t>
+              <a:t>28/11/2019</a:t>
             </a:fld>
             <a:endParaRPr lang="en-IE"/>
           </a:p>
@@ -7538,12 +7543,77 @@
           <a:chExt cx="0" cy="0"/>
         </a:xfrm>
       </p:grpSpPr>
+      <p:sp>
+        <p:nvSpPr>
+          <p:cNvPr id="2" name="Title 1">
+            <a:extLst>
+              <a:ext uri="{FF2B5EF4-FFF2-40B4-BE49-F238E27FC236}">
+                <a16:creationId xmlns:a16="http://schemas.microsoft.com/office/drawing/2014/main" id="{1AA46C36-1917-4BB4-BD0A-D10D36EB51C3}"/>
+              </a:ext>
+            </a:extLst>
+          </p:cNvPr>
+          <p:cNvSpPr>
+            <a:spLocks noGrp="1"/>
+          </p:cNvSpPr>
+          <p:nvPr>
+            <p:ph type="title"/>
+          </p:nvPr>
+        </p:nvSpPr>
+        <p:spPr/>
+        <p:txBody>
+          <a:bodyPr/>
+          <a:lstStyle/>
+          <a:p>
+            <a:r>
+              <a:rPr lang="en-US"/>
+              <a:t>Alternatives</a:t>
+            </a:r>
+            <a:endParaRPr lang="en-IE"/>
+          </a:p>
+        </p:txBody>
+      </p:sp>
       <p:pic>
         <p:nvPicPr>
-          <p:cNvPr id="5" name="Picture 4">
+          <p:cNvPr id="7" name="Picture 6" descr="A close up of a sign&#10;&#10;Description automatically generated">
             <a:extLst>
               <a:ext uri="{FF2B5EF4-FFF2-40B4-BE49-F238E27FC236}">
-                <a16:creationId xmlns:a16="http://schemas.microsoft.com/office/drawing/2014/main" id="{8ECB545F-4A8D-4372-81CD-2E2BE0C1F958}"/>
+                <a16:creationId xmlns:a16="http://schemas.microsoft.com/office/drawing/2014/main" id="{752E1EA7-1D00-42CE-818D-710EE62B2C28}"/>
+              </a:ext>
+            </a:extLst>
+          </p:cNvPr>
+          <p:cNvPicPr>
+            <a:picLocks noChangeAspect="1"/>
+          </p:cNvPicPr>
+          <p:nvPr/>
+        </p:nvPicPr>
+        <p:blipFill>
+          <a:blip r:embed="rId2" cstate="print">
+            <a:extLst>
+              <a:ext uri="{28A0092B-C50C-407E-A947-70E740481C1C}">
+                <a14:useLocalDpi xmlns:a14="http://schemas.microsoft.com/office/drawing/2010/main"/>
+              </a:ext>
+            </a:extLst>
+          </a:blip>
+          <a:stretch>
+            <a:fillRect/>
+          </a:stretch>
+        </p:blipFill>
+        <p:spPr>
+          <a:xfrm>
+            <a:off x="5593774" y="2095092"/>
+            <a:ext cx="2569325" cy="1333908"/>
+          </a:xfrm>
+          <a:prstGeom prst="rect">
+            <a:avLst/>
+          </a:prstGeom>
+        </p:spPr>
+      </p:pic>
+      <p:pic>
+        <p:nvPicPr>
+          <p:cNvPr id="9" name="Picture 8" descr="A picture containing table, brick&#10;&#10;Description automatically generated">
+            <a:extLst>
+              <a:ext uri="{FF2B5EF4-FFF2-40B4-BE49-F238E27FC236}">
+                <a16:creationId xmlns:a16="http://schemas.microsoft.com/office/drawing/2014/main" id="{1227E50C-4A52-46B8-B56B-F366345AE8BE}"/>
               </a:ext>
             </a:extLst>
           </p:cNvPr>
@@ -7553,20 +7623,235 @@
           <p:nvPr/>
         </p:nvPicPr>
         <p:blipFill rotWithShape="1">
-          <a:blip r:embed="rId2" cstate="print">
+          <a:blip r:embed="rId3" cstate="print">
             <a:extLst>
               <a:ext uri="{28A0092B-C50C-407E-A947-70E740481C1C}">
                 <a14:useLocalDpi xmlns:a14="http://schemas.microsoft.com/office/drawing/2010/main"/>
               </a:ext>
             </a:extLst>
           </a:blip>
-          <a:srcRect/>
+          <a:srcRect l="2931" t="19354" r="3833" b="14617"/>
           <a:stretch/>
         </p:blipFill>
         <p:spPr>
           <a:xfrm>
-            <a:off x="709612" y="0"/>
-            <a:ext cx="10772775" cy="6122933"/>
+            <a:off x="5137266" y="3908241"/>
+            <a:ext cx="2377440" cy="1686324"/>
+          </a:xfrm>
+          <a:prstGeom prst="rect">
+            <a:avLst/>
+          </a:prstGeom>
+        </p:spPr>
+      </p:pic>
+      <p:pic>
+        <p:nvPicPr>
+          <p:cNvPr id="11" name="Picture 10" descr="A close up of a sign&#10;&#10;Description automatically generated">
+            <a:extLst>
+              <a:ext uri="{FF2B5EF4-FFF2-40B4-BE49-F238E27FC236}">
+                <a16:creationId xmlns:a16="http://schemas.microsoft.com/office/drawing/2014/main" id="{FA1B8005-71F3-4C0A-9A52-6761D43C5581}"/>
+              </a:ext>
+            </a:extLst>
+          </p:cNvPr>
+          <p:cNvPicPr>
+            <a:picLocks noChangeAspect="1"/>
+          </p:cNvPicPr>
+          <p:nvPr/>
+        </p:nvPicPr>
+        <p:blipFill>
+          <a:blip r:embed="rId4" cstate="print">
+            <a:extLst>
+              <a:ext uri="{28A0092B-C50C-407E-A947-70E740481C1C}">
+                <a14:useLocalDpi xmlns:a14="http://schemas.microsoft.com/office/drawing/2010/main"/>
+              </a:ext>
+            </a:extLst>
+          </a:blip>
+          <a:stretch>
+            <a:fillRect/>
+          </a:stretch>
+        </p:blipFill>
+        <p:spPr>
+          <a:xfrm>
+            <a:off x="1130531" y="4161344"/>
+            <a:ext cx="3025833" cy="1180118"/>
+          </a:xfrm>
+          <a:prstGeom prst="rect">
+            <a:avLst/>
+          </a:prstGeom>
+        </p:spPr>
+      </p:pic>
+      <p:pic>
+        <p:nvPicPr>
+          <p:cNvPr id="15" name="Content Placeholder 14" descr="A picture containing sitting, black, clock&#10;&#10;Description automatically generated">
+            <a:extLst>
+              <a:ext uri="{FF2B5EF4-FFF2-40B4-BE49-F238E27FC236}">
+                <a16:creationId xmlns:a16="http://schemas.microsoft.com/office/drawing/2014/main" id="{3433146D-AF47-4A6A-A1B7-C4DA71D96EAC}"/>
+              </a:ext>
+            </a:extLst>
+          </p:cNvPr>
+          <p:cNvPicPr>
+            <a:picLocks noGrp="1" noChangeAspect="1"/>
+          </p:cNvPicPr>
+          <p:nvPr>
+            <p:ph idx="1"/>
+          </p:nvPr>
+        </p:nvPicPr>
+        <p:blipFill>
+          <a:blip r:embed="rId5" cstate="print">
+            <a:extLst>
+              <a:ext uri="{28A0092B-C50C-407E-A947-70E740481C1C}">
+                <a14:useLocalDpi xmlns:a14="http://schemas.microsoft.com/office/drawing/2010/main"/>
+              </a:ext>
+            </a:extLst>
+          </a:blip>
+          <a:stretch>
+            <a:fillRect/>
+          </a:stretch>
+        </p:blipFill>
+        <p:spPr>
+          <a:xfrm>
+            <a:off x="838200" y="2335957"/>
+            <a:ext cx="3600797" cy="1140504"/>
+          </a:xfrm>
+        </p:spPr>
+      </p:pic>
+      <p:pic>
+        <p:nvPicPr>
+          <p:cNvPr id="19" name="Picture 18" descr="A picture containing drawing&#10;&#10;Description automatically generated">
+            <a:extLst>
+              <a:ext uri="{FF2B5EF4-FFF2-40B4-BE49-F238E27FC236}">
+                <a16:creationId xmlns:a16="http://schemas.microsoft.com/office/drawing/2014/main" id="{82098637-A444-4906-BC2A-07F1597C038A}"/>
+              </a:ext>
+            </a:extLst>
+          </p:cNvPr>
+          <p:cNvPicPr>
+            <a:picLocks noChangeAspect="1"/>
+          </p:cNvPicPr>
+          <p:nvPr/>
+        </p:nvPicPr>
+        <p:blipFill>
+          <a:blip r:embed="rId6" cstate="print">
+            <a:extLst>
+              <a:ext uri="{28A0092B-C50C-407E-A947-70E740481C1C}">
+                <a14:useLocalDpi xmlns:a14="http://schemas.microsoft.com/office/drawing/2010/main"/>
+              </a:ext>
+            </a:extLst>
+          </a:blip>
+          <a:stretch>
+            <a:fillRect/>
+          </a:stretch>
+        </p:blipFill>
+        <p:spPr>
+          <a:xfrm>
+            <a:off x="8495608" y="2000250"/>
+            <a:ext cx="3768436" cy="1981200"/>
+          </a:xfrm>
+          <a:prstGeom prst="rect">
+            <a:avLst/>
+          </a:prstGeom>
+        </p:spPr>
+      </p:pic>
+      <p:sp>
+        <p:nvSpPr>
+          <p:cNvPr id="20" name="TextBox 19">
+            <a:extLst>
+              <a:ext uri="{FF2B5EF4-FFF2-40B4-BE49-F238E27FC236}">
+                <a16:creationId xmlns:a16="http://schemas.microsoft.com/office/drawing/2014/main" id="{2DF93E8C-0656-4ECE-9CF8-DBD6B1398DB5}"/>
+              </a:ext>
+            </a:extLst>
+          </p:cNvPr>
+          <p:cNvSpPr txBox="1"/>
+          <p:nvPr/>
+        </p:nvSpPr>
+        <p:spPr>
+          <a:xfrm>
+            <a:off x="1562100" y="5594565"/>
+            <a:ext cx="975973" cy="369332"/>
+          </a:xfrm>
+          <a:prstGeom prst="rect">
+            <a:avLst/>
+          </a:prstGeom>
+          <a:noFill/>
+        </p:spPr>
+        <p:txBody>
+          <a:bodyPr wrap="none" rtlCol="0">
+            <a:spAutoFit/>
+          </a:bodyPr>
+          <a:lstStyle/>
+          <a:p>
+            <a:r>
+              <a:rPr lang="en-US"/>
+              <a:t>Postgres</a:t>
+            </a:r>
+            <a:endParaRPr lang="en-IE"/>
+          </a:p>
+        </p:txBody>
+      </p:sp>
+      <p:sp>
+        <p:nvSpPr>
+          <p:cNvPr id="21" name="TextBox 20">
+            <a:extLst>
+              <a:ext uri="{FF2B5EF4-FFF2-40B4-BE49-F238E27FC236}">
+                <a16:creationId xmlns:a16="http://schemas.microsoft.com/office/drawing/2014/main" id="{573D7181-3FCE-40EA-A2C7-DAB4CA40A3E1}"/>
+              </a:ext>
+            </a:extLst>
+          </p:cNvPr>
+          <p:cNvSpPr txBox="1"/>
+          <p:nvPr/>
+        </p:nvSpPr>
+        <p:spPr>
+          <a:xfrm>
+            <a:off x="5834088" y="5594565"/>
+            <a:ext cx="779572" cy="369332"/>
+          </a:xfrm>
+          <a:prstGeom prst="rect">
+            <a:avLst/>
+          </a:prstGeom>
+          <a:noFill/>
+        </p:spPr>
+        <p:txBody>
+          <a:bodyPr wrap="none" rtlCol="0">
+            <a:spAutoFit/>
+          </a:bodyPr>
+          <a:lstStyle/>
+          <a:p>
+            <a:r>
+              <a:rPr lang="en-US"/>
+              <a:t>Presto</a:t>
+            </a:r>
+            <a:endParaRPr lang="en-IE"/>
+          </a:p>
+        </p:txBody>
+      </p:sp>
+      <p:pic>
+        <p:nvPicPr>
+          <p:cNvPr id="23" name="Picture 22" descr="A close up of a logo&#10;&#10;Description automatically generated">
+            <a:extLst>
+              <a:ext uri="{FF2B5EF4-FFF2-40B4-BE49-F238E27FC236}">
+                <a16:creationId xmlns:a16="http://schemas.microsoft.com/office/drawing/2014/main" id="{818C5268-86E1-4888-B403-4BC061EFE48C}"/>
+              </a:ext>
+            </a:extLst>
+          </p:cNvPr>
+          <p:cNvPicPr>
+            <a:picLocks noChangeAspect="1"/>
+          </p:cNvPicPr>
+          <p:nvPr/>
+        </p:nvPicPr>
+        <p:blipFill>
+          <a:blip r:embed="rId7" cstate="print">
+            <a:extLst>
+              <a:ext uri="{28A0092B-C50C-407E-A947-70E740481C1C}">
+                <a14:useLocalDpi xmlns:a14="http://schemas.microsoft.com/office/drawing/2010/main"/>
+              </a:ext>
+            </a:extLst>
+          </a:blip>
+          <a:stretch>
+            <a:fillRect/>
+          </a:stretch>
+        </p:blipFill>
+        <p:spPr>
+          <a:xfrm>
+            <a:off x="8976360" y="4291012"/>
+            <a:ext cx="2930877" cy="923226"/>
           </a:xfrm>
           <a:prstGeom prst="rect">
             <a:avLst/>
@@ -7576,7 +7861,7 @@
     </p:spTree>
     <p:extLst>
       <p:ext uri="{BB962C8B-B14F-4D97-AF65-F5344CB8AC3E}">
-        <p14:creationId xmlns:p14="http://schemas.microsoft.com/office/powerpoint/2010/main" val="3918865248"/>
+        <p14:creationId xmlns:p14="http://schemas.microsoft.com/office/powerpoint/2010/main" val="3641482419"/>
       </p:ext>
     </p:extLst>
   </p:cSld>
@@ -7608,7 +7893,7 @@
           <p:cNvPr id="2" name="Title 1">
             <a:extLst>
               <a:ext uri="{FF2B5EF4-FFF2-40B4-BE49-F238E27FC236}">
-                <a16:creationId xmlns:a16="http://schemas.microsoft.com/office/drawing/2014/main" id="{1AA46C36-1917-4BB4-BD0A-D10D36EB51C3}"/>
+                <a16:creationId xmlns:a16="http://schemas.microsoft.com/office/drawing/2014/main" id="{60F70C51-1079-47CF-ABF3-483128ACAAF9}"/>
               </a:ext>
             </a:extLst>
           </p:cNvPr>
@@ -7619,309 +7904,31 @@
             <p:ph type="title"/>
           </p:nvPr>
         </p:nvSpPr>
-        <p:spPr/>
+        <p:spPr>
+          <a:xfrm>
+            <a:off x="838200" y="2766218"/>
+            <a:ext cx="10515600" cy="1325563"/>
+          </a:xfrm>
+        </p:spPr>
         <p:txBody>
-          <a:bodyPr/>
+          <a:bodyPr>
+            <a:normAutofit/>
+          </a:bodyPr>
           <a:lstStyle/>
           <a:p>
-            <a:r>
-              <a:rPr lang="en-US"/>
-              <a:t>Alternatives</a:t>
-            </a:r>
-            <a:endParaRPr lang="en-IE"/>
+            <a:pPr algn="ctr"/>
+            <a:r>
+              <a:rPr lang="en-US" sz="6600"/>
+              <a:t>Demo Time</a:t>
+            </a:r>
+            <a:endParaRPr lang="en-IE" sz="6600"/>
           </a:p>
         </p:txBody>
       </p:sp>
-      <p:pic>
-        <p:nvPicPr>
-          <p:cNvPr id="7" name="Picture 6" descr="A close up of a sign&#10;&#10;Description automatically generated">
-            <a:extLst>
-              <a:ext uri="{FF2B5EF4-FFF2-40B4-BE49-F238E27FC236}">
-                <a16:creationId xmlns:a16="http://schemas.microsoft.com/office/drawing/2014/main" id="{752E1EA7-1D00-42CE-818D-710EE62B2C28}"/>
-              </a:ext>
-            </a:extLst>
-          </p:cNvPr>
-          <p:cNvPicPr>
-            <a:picLocks noChangeAspect="1"/>
-          </p:cNvPicPr>
-          <p:nvPr/>
-        </p:nvPicPr>
-        <p:blipFill>
-          <a:blip r:embed="rId2" cstate="print">
-            <a:extLst>
-              <a:ext uri="{28A0092B-C50C-407E-A947-70E740481C1C}">
-                <a14:useLocalDpi xmlns:a14="http://schemas.microsoft.com/office/drawing/2010/main"/>
-              </a:ext>
-            </a:extLst>
-          </a:blip>
-          <a:stretch>
-            <a:fillRect/>
-          </a:stretch>
-        </p:blipFill>
-        <p:spPr>
-          <a:xfrm>
-            <a:off x="5593774" y="2095092"/>
-            <a:ext cx="2569325" cy="1333908"/>
-          </a:xfrm>
-          <a:prstGeom prst="rect">
-            <a:avLst/>
-          </a:prstGeom>
-        </p:spPr>
-      </p:pic>
-      <p:pic>
-        <p:nvPicPr>
-          <p:cNvPr id="9" name="Picture 8" descr="A picture containing table, brick&#10;&#10;Description automatically generated">
-            <a:extLst>
-              <a:ext uri="{FF2B5EF4-FFF2-40B4-BE49-F238E27FC236}">
-                <a16:creationId xmlns:a16="http://schemas.microsoft.com/office/drawing/2014/main" id="{1227E50C-4A52-46B8-B56B-F366345AE8BE}"/>
-              </a:ext>
-            </a:extLst>
-          </p:cNvPr>
-          <p:cNvPicPr>
-            <a:picLocks noChangeAspect="1"/>
-          </p:cNvPicPr>
-          <p:nvPr/>
-        </p:nvPicPr>
-        <p:blipFill rotWithShape="1">
-          <a:blip r:embed="rId3" cstate="print">
-            <a:extLst>
-              <a:ext uri="{28A0092B-C50C-407E-A947-70E740481C1C}">
-                <a14:useLocalDpi xmlns:a14="http://schemas.microsoft.com/office/drawing/2010/main"/>
-              </a:ext>
-            </a:extLst>
-          </a:blip>
-          <a:srcRect l="2931" t="19354" r="3833" b="14617"/>
-          <a:stretch/>
-        </p:blipFill>
-        <p:spPr>
-          <a:xfrm>
-            <a:off x="5137266" y="3908241"/>
-            <a:ext cx="2377440" cy="1686324"/>
-          </a:xfrm>
-          <a:prstGeom prst="rect">
-            <a:avLst/>
-          </a:prstGeom>
-        </p:spPr>
-      </p:pic>
-      <p:pic>
-        <p:nvPicPr>
-          <p:cNvPr id="11" name="Picture 10" descr="A close up of a sign&#10;&#10;Description automatically generated">
-            <a:extLst>
-              <a:ext uri="{FF2B5EF4-FFF2-40B4-BE49-F238E27FC236}">
-                <a16:creationId xmlns:a16="http://schemas.microsoft.com/office/drawing/2014/main" id="{FA1B8005-71F3-4C0A-9A52-6761D43C5581}"/>
-              </a:ext>
-            </a:extLst>
-          </p:cNvPr>
-          <p:cNvPicPr>
-            <a:picLocks noChangeAspect="1"/>
-          </p:cNvPicPr>
-          <p:nvPr/>
-        </p:nvPicPr>
-        <p:blipFill>
-          <a:blip r:embed="rId4" cstate="print">
-            <a:extLst>
-              <a:ext uri="{28A0092B-C50C-407E-A947-70E740481C1C}">
-                <a14:useLocalDpi xmlns:a14="http://schemas.microsoft.com/office/drawing/2010/main"/>
-              </a:ext>
-            </a:extLst>
-          </a:blip>
-          <a:stretch>
-            <a:fillRect/>
-          </a:stretch>
-        </p:blipFill>
-        <p:spPr>
-          <a:xfrm>
-            <a:off x="1130531" y="4161344"/>
-            <a:ext cx="3025833" cy="1180118"/>
-          </a:xfrm>
-          <a:prstGeom prst="rect">
-            <a:avLst/>
-          </a:prstGeom>
-        </p:spPr>
-      </p:pic>
-      <p:pic>
-        <p:nvPicPr>
-          <p:cNvPr id="15" name="Content Placeholder 14" descr="A picture containing sitting, black, clock&#10;&#10;Description automatically generated">
-            <a:extLst>
-              <a:ext uri="{FF2B5EF4-FFF2-40B4-BE49-F238E27FC236}">
-                <a16:creationId xmlns:a16="http://schemas.microsoft.com/office/drawing/2014/main" id="{3433146D-AF47-4A6A-A1B7-C4DA71D96EAC}"/>
-              </a:ext>
-            </a:extLst>
-          </p:cNvPr>
-          <p:cNvPicPr>
-            <a:picLocks noGrp="1" noChangeAspect="1"/>
-          </p:cNvPicPr>
-          <p:nvPr>
-            <p:ph idx="1"/>
-          </p:nvPr>
-        </p:nvPicPr>
-        <p:blipFill>
-          <a:blip r:embed="rId5" cstate="print">
-            <a:extLst>
-              <a:ext uri="{28A0092B-C50C-407E-A947-70E740481C1C}">
-                <a14:useLocalDpi xmlns:a14="http://schemas.microsoft.com/office/drawing/2010/main"/>
-              </a:ext>
-            </a:extLst>
-          </a:blip>
-          <a:stretch>
-            <a:fillRect/>
-          </a:stretch>
-        </p:blipFill>
-        <p:spPr>
-          <a:xfrm>
-            <a:off x="838200" y="2335957"/>
-            <a:ext cx="3600797" cy="1140504"/>
-          </a:xfrm>
-        </p:spPr>
-      </p:pic>
-      <p:pic>
-        <p:nvPicPr>
-          <p:cNvPr id="19" name="Picture 18" descr="A picture containing drawing&#10;&#10;Description automatically generated">
-            <a:extLst>
-              <a:ext uri="{FF2B5EF4-FFF2-40B4-BE49-F238E27FC236}">
-                <a16:creationId xmlns:a16="http://schemas.microsoft.com/office/drawing/2014/main" id="{82098637-A444-4906-BC2A-07F1597C038A}"/>
-              </a:ext>
-            </a:extLst>
-          </p:cNvPr>
-          <p:cNvPicPr>
-            <a:picLocks noChangeAspect="1"/>
-          </p:cNvPicPr>
-          <p:nvPr/>
-        </p:nvPicPr>
-        <p:blipFill>
-          <a:blip r:embed="rId6" cstate="print">
-            <a:extLst>
-              <a:ext uri="{28A0092B-C50C-407E-A947-70E740481C1C}">
-                <a14:useLocalDpi xmlns:a14="http://schemas.microsoft.com/office/drawing/2010/main"/>
-              </a:ext>
-            </a:extLst>
-          </a:blip>
-          <a:stretch>
-            <a:fillRect/>
-          </a:stretch>
-        </p:blipFill>
-        <p:spPr>
-          <a:xfrm>
-            <a:off x="8495608" y="2000250"/>
-            <a:ext cx="3768436" cy="1981200"/>
-          </a:xfrm>
-          <a:prstGeom prst="rect">
-            <a:avLst/>
-          </a:prstGeom>
-        </p:spPr>
-      </p:pic>
-      <p:sp>
-        <p:nvSpPr>
-          <p:cNvPr id="20" name="TextBox 19">
-            <a:extLst>
-              <a:ext uri="{FF2B5EF4-FFF2-40B4-BE49-F238E27FC236}">
-                <a16:creationId xmlns:a16="http://schemas.microsoft.com/office/drawing/2014/main" id="{2DF93E8C-0656-4ECE-9CF8-DBD6B1398DB5}"/>
-              </a:ext>
-            </a:extLst>
-          </p:cNvPr>
-          <p:cNvSpPr txBox="1"/>
-          <p:nvPr/>
-        </p:nvSpPr>
-        <p:spPr>
-          <a:xfrm>
-            <a:off x="1562100" y="5594565"/>
-            <a:ext cx="975973" cy="369332"/>
-          </a:xfrm>
-          <a:prstGeom prst="rect">
-            <a:avLst/>
-          </a:prstGeom>
-          <a:noFill/>
-        </p:spPr>
-        <p:txBody>
-          <a:bodyPr wrap="none" rtlCol="0">
-            <a:spAutoFit/>
-          </a:bodyPr>
-          <a:lstStyle/>
-          <a:p>
-            <a:r>
-              <a:rPr lang="en-US"/>
-              <a:t>Postgres</a:t>
-            </a:r>
-            <a:endParaRPr lang="en-IE"/>
-          </a:p>
-        </p:txBody>
-      </p:sp>
-      <p:sp>
-        <p:nvSpPr>
-          <p:cNvPr id="21" name="TextBox 20">
-            <a:extLst>
-              <a:ext uri="{FF2B5EF4-FFF2-40B4-BE49-F238E27FC236}">
-                <a16:creationId xmlns:a16="http://schemas.microsoft.com/office/drawing/2014/main" id="{573D7181-3FCE-40EA-A2C7-DAB4CA40A3E1}"/>
-              </a:ext>
-            </a:extLst>
-          </p:cNvPr>
-          <p:cNvSpPr txBox="1"/>
-          <p:nvPr/>
-        </p:nvSpPr>
-        <p:spPr>
-          <a:xfrm>
-            <a:off x="5834088" y="5594565"/>
-            <a:ext cx="779572" cy="369332"/>
-          </a:xfrm>
-          <a:prstGeom prst="rect">
-            <a:avLst/>
-          </a:prstGeom>
-          <a:noFill/>
-        </p:spPr>
-        <p:txBody>
-          <a:bodyPr wrap="none" rtlCol="0">
-            <a:spAutoFit/>
-          </a:bodyPr>
-          <a:lstStyle/>
-          <a:p>
-            <a:r>
-              <a:rPr lang="en-US"/>
-              <a:t>Presto</a:t>
-            </a:r>
-            <a:endParaRPr lang="en-IE"/>
-          </a:p>
-        </p:txBody>
-      </p:sp>
-      <p:pic>
-        <p:nvPicPr>
-          <p:cNvPr id="23" name="Picture 22" descr="A close up of a logo&#10;&#10;Description automatically generated">
-            <a:extLst>
-              <a:ext uri="{FF2B5EF4-FFF2-40B4-BE49-F238E27FC236}">
-                <a16:creationId xmlns:a16="http://schemas.microsoft.com/office/drawing/2014/main" id="{818C5268-86E1-4888-B403-4BC061EFE48C}"/>
-              </a:ext>
-            </a:extLst>
-          </p:cNvPr>
-          <p:cNvPicPr>
-            <a:picLocks noChangeAspect="1"/>
-          </p:cNvPicPr>
-          <p:nvPr/>
-        </p:nvPicPr>
-        <p:blipFill>
-          <a:blip r:embed="rId7" cstate="print">
-            <a:extLst>
-              <a:ext uri="{28A0092B-C50C-407E-A947-70E740481C1C}">
-                <a14:useLocalDpi xmlns:a14="http://schemas.microsoft.com/office/drawing/2010/main"/>
-              </a:ext>
-            </a:extLst>
-          </a:blip>
-          <a:stretch>
-            <a:fillRect/>
-          </a:stretch>
-        </p:blipFill>
-        <p:spPr>
-          <a:xfrm>
-            <a:off x="8976360" y="4291012"/>
-            <a:ext cx="2930877" cy="923226"/>
-          </a:xfrm>
-          <a:prstGeom prst="rect">
-            <a:avLst/>
-          </a:prstGeom>
-        </p:spPr>
-      </p:pic>
     </p:spTree>
     <p:extLst>
       <p:ext uri="{BB962C8B-B14F-4D97-AF65-F5344CB8AC3E}">
-        <p14:creationId xmlns:p14="http://schemas.microsoft.com/office/powerpoint/2010/main" val="2615460092"/>
+        <p14:creationId xmlns:p14="http://schemas.microsoft.com/office/powerpoint/2010/main" val="3800540676"/>
       </p:ext>
     </p:extLst>
   </p:cSld>
@@ -7969,6 +7976,10 @@
           <a:bodyPr/>
           <a:lstStyle/>
           <a:p>
+            <a:r>
+              <a:rPr lang="en-US"/>
+              <a:t>Agenda</a:t>
+            </a:r>
             <a:endParaRPr lang="en-IE"/>
           </a:p>
         </p:txBody>
@@ -7991,48 +8002,58 @@
         </p:nvSpPr>
         <p:spPr/>
         <p:txBody>
-          <a:bodyPr/>
+          <a:bodyPr>
+            <a:normAutofit/>
+          </a:bodyPr>
           <a:lstStyle/>
           <a:p>
             <a:r>
-              <a:rPr lang="en-US"/>
-              <a:t>Why?</a:t>
-            </a:r>
-          </a:p>
-          <a:p>
-            <a:r>
-              <a:rPr lang="en-US"/>
-              <a:t>What is BigQuery, Dremel</a:t>
-            </a:r>
-          </a:p>
-          <a:p>
-            <a:r>
-              <a:rPr lang="en-US"/>
-              <a:t>Use cases (large data), example datasets</a:t>
-            </a:r>
-          </a:p>
-          <a:p>
-            <a:r>
-              <a:rPr lang="en-US"/>
-              <a:t>How does it compare to XXX</a:t>
-            </a:r>
-          </a:p>
-          <a:p>
-            <a:r>
-              <a:rPr lang="en-US"/>
-              <a:t>Data Sources, Data Formats</a:t>
-            </a:r>
-          </a:p>
-          <a:p>
-            <a:r>
-              <a:rPr lang="en-US"/>
-              <a:t>Data Sinks (google sheets, ODBC, pandas, data studio, etc.)</a:t>
-            </a:r>
-          </a:p>
-          <a:p>
-            <a:r>
-              <a:rPr lang="en-US"/>
-              <a:t>BigQuery ML?</a:t>
+              <a:rPr lang="en-US" sz="3600"/>
+              <a:t>Why BigQuery</a:t>
+            </a:r>
+          </a:p>
+          <a:p>
+            <a:r>
+              <a:rPr lang="en-US" sz="3600"/>
+              <a:t>Use Cases</a:t>
+            </a:r>
+          </a:p>
+          <a:p>
+            <a:r>
+              <a:rPr lang="en-US" sz="3600"/>
+              <a:t>Architecture</a:t>
+            </a:r>
+          </a:p>
+          <a:p>
+            <a:r>
+              <a:rPr lang="en-US" sz="3600"/>
+              <a:t>Alternatives</a:t>
+            </a:r>
+          </a:p>
+          <a:p>
+            <a:r>
+              <a:rPr lang="en-US" sz="3600"/>
+              <a:t>Demo Time</a:t>
+            </a:r>
+          </a:p>
+          <a:p>
+            <a:endParaRPr lang="en-US" sz="3600"/>
+          </a:p>
+          <a:p>
+            <a:pPr marL="0" indent="0">
+              <a:buNone/>
+            </a:pPr>
+            <a:r>
+              <a:rPr lang="en-US" sz="3600"/>
+              <a:t>(Material available on GH </a:t>
+            </a:r>
+            <a:r>
+              <a:rPr lang="en-US" sz="3600" b="1"/>
+              <a:t>codinguncut/talks</a:t>
+            </a:r>
+            <a:r>
+              <a:rPr lang="en-US" sz="3600"/>
+              <a:t>)</a:t>
             </a:r>
           </a:p>
         </p:txBody>
@@ -8072,7 +8093,7 @@
           <p:cNvPr id="2" name="Title 1">
             <a:extLst>
               <a:ext uri="{FF2B5EF4-FFF2-40B4-BE49-F238E27FC236}">
-                <a16:creationId xmlns:a16="http://schemas.microsoft.com/office/drawing/2014/main" id="{4FEB050F-F6CE-496F-A2AF-ECE025E3BA0A}"/>
+                <a16:creationId xmlns:a16="http://schemas.microsoft.com/office/drawing/2014/main" id="{29F6E7F9-8F65-4BB3-9AEB-9655DA5DE9C6}"/>
               </a:ext>
             </a:extLst>
           </p:cNvPr>
@@ -8090,207 +8111,382 @@
           <a:p>
             <a:r>
               <a:rPr lang="en-US"/>
-              <a:t>Data Formats</a:t>
+              <a:t>Use Cases</a:t>
             </a:r>
             <a:endParaRPr lang="en-IE"/>
           </a:p>
         </p:txBody>
       </p:sp>
-      <p:pic>
-        <p:nvPicPr>
-          <p:cNvPr id="5" name="Picture 2" descr="Image result for apache parquet">
+      <p:sp>
+        <p:nvSpPr>
+          <p:cNvPr id="3" name="Content Placeholder 2">
             <a:extLst>
               <a:ext uri="{FF2B5EF4-FFF2-40B4-BE49-F238E27FC236}">
-                <a16:creationId xmlns:a16="http://schemas.microsoft.com/office/drawing/2014/main" id="{C782369D-0D12-43D1-B993-31E9675128B2}"/>
+                <a16:creationId xmlns:a16="http://schemas.microsoft.com/office/drawing/2014/main" id="{D823111A-1BE4-4602-96F0-F268B1BCC5CB}"/>
               </a:ext>
             </a:extLst>
           </p:cNvPr>
-          <p:cNvPicPr>
-            <a:picLocks noChangeAspect="1" noChangeArrowheads="1"/>
-          </p:cNvPicPr>
-          <p:nvPr/>
-        </p:nvPicPr>
-        <p:blipFill>
-          <a:blip r:embed="rId2">
-            <a:extLst>
-              <a:ext uri="{28A0092B-C50C-407E-A947-70E740481C1C}">
-                <a14:useLocalDpi xmlns:a14="http://schemas.microsoft.com/office/drawing/2010/main"/>
-              </a:ext>
-            </a:extLst>
-          </a:blip>
-          <a:srcRect/>
-          <a:stretch>
-            <a:fillRect/>
-          </a:stretch>
-        </p:blipFill>
-        <p:spPr bwMode="auto">
-          <a:xfrm>
-            <a:off x="7721534" y="4241084"/>
-            <a:ext cx="3419302" cy="854826"/>
-          </a:xfrm>
-          <a:prstGeom prst="rect">
-            <a:avLst/>
-          </a:prstGeom>
-          <a:noFill/>
-          <a:extLst>
-            <a:ext uri="{909E8E84-426E-40DD-AFC4-6F175D3DCCD1}">
-              <a14:hiddenFill xmlns:a14="http://schemas.microsoft.com/office/drawing/2010/main">
-                <a:solidFill>
-                  <a:srgbClr val="FFFFFF"/>
-                </a:solidFill>
-              </a14:hiddenFill>
-            </a:ext>
-          </a:extLst>
-        </p:spPr>
-      </p:pic>
-      <p:pic>
-        <p:nvPicPr>
-          <p:cNvPr id="6" name="Picture 5" descr="A close up of a sign&#10;&#10;Description automatically generated">
-            <a:extLst>
-              <a:ext uri="{FF2B5EF4-FFF2-40B4-BE49-F238E27FC236}">
-                <a16:creationId xmlns:a16="http://schemas.microsoft.com/office/drawing/2014/main" id="{90F13582-6F55-4123-8090-508F67288753}"/>
-              </a:ext>
-            </a:extLst>
-          </p:cNvPr>
-          <p:cNvPicPr>
-            <a:picLocks noChangeAspect="1"/>
-          </p:cNvPicPr>
-          <p:nvPr/>
-        </p:nvPicPr>
-        <p:blipFill>
-          <a:blip r:embed="rId3" cstate="print">
-            <a:extLst>
-              <a:ext uri="{28A0092B-C50C-407E-A947-70E740481C1C}">
-                <a14:useLocalDpi xmlns:a14="http://schemas.microsoft.com/office/drawing/2010/main"/>
-              </a:ext>
-            </a:extLst>
-          </a:blip>
-          <a:stretch>
-            <a:fillRect/>
-          </a:stretch>
-        </p:blipFill>
+          <p:cNvSpPr>
+            <a:spLocks noGrp="1"/>
+          </p:cNvSpPr>
+          <p:nvPr>
+            <p:ph idx="1"/>
+          </p:nvPr>
+        </p:nvSpPr>
         <p:spPr>
           <a:xfrm>
-            <a:off x="1045030" y="4367824"/>
-            <a:ext cx="2503058" cy="853125"/>
+            <a:off x="762000" y="1406525"/>
+            <a:ext cx="10515600" cy="4351338"/>
+          </a:xfrm>
+        </p:spPr>
+        <p:txBody>
+          <a:bodyPr>
+            <a:noAutofit/>
+          </a:bodyPr>
+          <a:lstStyle/>
+          <a:p>
+            <a:r>
+              <a:rPr lang="en-IE" sz="2000"/>
+              <a:t>bigquery-public-data:</a:t>
+            </a:r>
+          </a:p>
+          <a:p>
+            <a:pPr lvl="1"/>
+            <a:r>
+              <a:rPr lang="en-US" sz="2000"/>
+              <a:t>crypto_bitcoin (1.1TB)</a:t>
+            </a:r>
+          </a:p>
+          <a:p>
+            <a:pPr lvl="1"/>
+            <a:r>
+              <a:rPr lang="en-US" sz="2000"/>
+              <a:t>crypto_ethereum (1.4TB)</a:t>
+            </a:r>
+          </a:p>
+          <a:p>
+            <a:pPr lvl="1"/>
+            <a:r>
+              <a:rPr lang="en-US" sz="2000"/>
+              <a:t>github_repos (3.7TB source code)</a:t>
+            </a:r>
+          </a:p>
+          <a:p>
+            <a:r>
+              <a:rPr lang="en-IE" sz="2000"/>
+              <a:t>fh-bigquery:</a:t>
+            </a:r>
+          </a:p>
+          <a:p>
+            <a:pPr lvl="1"/>
+            <a:r>
+              <a:rPr lang="en-IE" sz="2000"/>
+              <a:t>wikipedia_v3</a:t>
+            </a:r>
+            <a:r>
+              <a:rPr lang="en-US" sz="2000"/>
+              <a:t> (11TB pageviews)</a:t>
+            </a:r>
+          </a:p>
+          <a:p>
+            <a:pPr lvl="1"/>
+            <a:r>
+              <a:rPr lang="en-IE" sz="2000"/>
+              <a:t>reddit_comments (1.8TB)</a:t>
+            </a:r>
+          </a:p>
+          <a:p>
+            <a:pPr lvl="1"/>
+            <a:r>
+              <a:rPr lang="en-IE" sz="2000"/>
+              <a:t>reddit_extracts (5.6TB)</a:t>
+            </a:r>
+          </a:p>
+          <a:p>
+            <a:pPr lvl="1"/>
+            <a:r>
+              <a:rPr lang="en-IE" sz="2000"/>
+              <a:t>wikidata (3.5TB)</a:t>
+            </a:r>
+          </a:p>
+          <a:p>
+            <a:pPr lvl="1"/>
+            <a:r>
+              <a:rPr lang="en-IE" sz="2000"/>
+              <a:t>pypi (20TB package installs)</a:t>
+            </a:r>
+          </a:p>
+          <a:p>
+            <a:pPr lvl="1"/>
+            <a:r>
+              <a:rPr lang="en-IE" sz="2000"/>
+              <a:t>stackoverflow (5.2TB)</a:t>
+            </a:r>
+          </a:p>
+          <a:p>
+            <a:pPr lvl="1"/>
+            <a:r>
+              <a:rPr lang="en-IE" sz="2000"/>
+              <a:t>stackoverflow_archive (2TB)</a:t>
+            </a:r>
+          </a:p>
+          <a:p>
+            <a:pPr lvl="1"/>
+            <a:r>
+              <a:rPr lang="en-IE" sz="2000"/>
+              <a:t>wikidata (3.5TB)</a:t>
+            </a:r>
+          </a:p>
+        </p:txBody>
+      </p:sp>
+      <p:sp>
+        <p:nvSpPr>
+          <p:cNvPr id="4" name="Content Placeholder 2">
+            <a:extLst>
+              <a:ext uri="{FF2B5EF4-FFF2-40B4-BE49-F238E27FC236}">
+                <a16:creationId xmlns:a16="http://schemas.microsoft.com/office/drawing/2014/main" id="{444D4E02-0130-4A57-AC68-0DE0272A51A0}"/>
+              </a:ext>
+            </a:extLst>
+          </p:cNvPr>
+          <p:cNvSpPr txBox="1">
+            <a:spLocks/>
+          </p:cNvSpPr>
+          <p:nvPr/>
+        </p:nvSpPr>
+        <p:spPr>
+          <a:xfrm>
+            <a:off x="6019800" y="1406525"/>
+            <a:ext cx="10515600" cy="4351338"/>
           </a:xfrm>
           <a:prstGeom prst="rect">
             <a:avLst/>
           </a:prstGeom>
         </p:spPr>
-      </p:pic>
-      <p:pic>
-        <p:nvPicPr>
-          <p:cNvPr id="7" name="Picture 6" descr="A picture containing clock, meter, drawing&#10;&#10;Description automatically generated">
-            <a:extLst>
-              <a:ext uri="{FF2B5EF4-FFF2-40B4-BE49-F238E27FC236}">
-                <a16:creationId xmlns:a16="http://schemas.microsoft.com/office/drawing/2014/main" id="{5E1C604A-DD0D-4D6D-B59B-7654F0F9CD52}"/>
-              </a:ext>
-            </a:extLst>
-          </p:cNvPr>
-          <p:cNvPicPr>
-            <a:picLocks noChangeAspect="1"/>
-          </p:cNvPicPr>
-          <p:nvPr/>
-        </p:nvPicPr>
-        <p:blipFill>
-          <a:blip r:embed="rId4" cstate="print">
-            <a:extLst>
-              <a:ext uri="{28A0092B-C50C-407E-A947-70E740481C1C}">
-                <a14:useLocalDpi xmlns:a14="http://schemas.microsoft.com/office/drawing/2010/main"/>
-              </a:ext>
-            </a:extLst>
-          </a:blip>
-          <a:stretch>
-            <a:fillRect/>
-          </a:stretch>
-        </p:blipFill>
-        <p:spPr>
-          <a:xfrm>
-            <a:off x="5949538" y="2400769"/>
-            <a:ext cx="3481647" cy="1346237"/>
-          </a:xfrm>
-          <a:prstGeom prst="rect">
-            <a:avLst/>
-          </a:prstGeom>
-        </p:spPr>
-      </p:pic>
-      <p:pic>
-        <p:nvPicPr>
-          <p:cNvPr id="8" name="Picture 7" descr="A close up of a logo&#10;&#10;Description automatically generated">
-            <a:extLst>
-              <a:ext uri="{FF2B5EF4-FFF2-40B4-BE49-F238E27FC236}">
-                <a16:creationId xmlns:a16="http://schemas.microsoft.com/office/drawing/2014/main" id="{772A653C-23AE-4A94-B4DF-94ECEF243574}"/>
-              </a:ext>
-            </a:extLst>
-          </p:cNvPr>
-          <p:cNvPicPr>
-            <a:picLocks noChangeAspect="1"/>
-          </p:cNvPicPr>
-          <p:nvPr/>
-        </p:nvPicPr>
-        <p:blipFill>
-          <a:blip r:embed="rId5">
-            <a:extLst>
-              <a:ext uri="{28A0092B-C50C-407E-A947-70E740481C1C}">
-                <a14:useLocalDpi xmlns:a14="http://schemas.microsoft.com/office/drawing/2010/main"/>
-              </a:ext>
-            </a:extLst>
-          </a:blip>
-          <a:stretch>
-            <a:fillRect/>
-          </a:stretch>
-        </p:blipFill>
-        <p:spPr>
-          <a:xfrm>
-            <a:off x="4167211" y="3841886"/>
-            <a:ext cx="2893139" cy="1653222"/>
-          </a:xfrm>
-          <a:prstGeom prst="rect">
-            <a:avLst/>
-          </a:prstGeom>
-        </p:spPr>
-      </p:pic>
-      <p:pic>
-        <p:nvPicPr>
-          <p:cNvPr id="9" name="Picture 8" descr="A close up of a sign&#10;&#10;Description automatically generated">
-            <a:extLst>
-              <a:ext uri="{FF2B5EF4-FFF2-40B4-BE49-F238E27FC236}">
-                <a16:creationId xmlns:a16="http://schemas.microsoft.com/office/drawing/2014/main" id="{7D4AD61D-3A3D-4CDA-B3A0-4E87AF7C1494}"/>
-              </a:ext>
-            </a:extLst>
-          </p:cNvPr>
-          <p:cNvPicPr>
-            <a:picLocks noChangeAspect="1"/>
-          </p:cNvPicPr>
-          <p:nvPr/>
-        </p:nvPicPr>
-        <p:blipFill>
-          <a:blip r:embed="rId6" cstate="print">
-            <a:extLst>
-              <a:ext uri="{28A0092B-C50C-407E-A947-70E740481C1C}">
-                <a14:useLocalDpi xmlns:a14="http://schemas.microsoft.com/office/drawing/2010/main"/>
-              </a:ext>
-            </a:extLst>
-          </a:blip>
-          <a:stretch>
-            <a:fillRect/>
-          </a:stretch>
-        </p:blipFill>
-        <p:spPr>
-          <a:xfrm>
-            <a:off x="4167211" y="2461149"/>
-            <a:ext cx="1225479" cy="1225479"/>
-          </a:xfrm>
-          <a:prstGeom prst="rect">
-            <a:avLst/>
-          </a:prstGeom>
-        </p:spPr>
-      </p:pic>
+        <p:txBody>
+          <a:bodyPr vert="horz" lIns="91440" tIns="45720" rIns="91440" bIns="45720" rtlCol="0">
+            <a:noAutofit/>
+          </a:bodyPr>
+          <a:lstStyle>
+            <a:lvl1pPr marL="228600" indent="-228600" algn="l" defTabSz="914400" rtl="0" eaLnBrk="1" latinLnBrk="0" hangingPunct="1">
+              <a:lnSpc>
+                <a:spcPct val="90000"/>
+              </a:lnSpc>
+              <a:spcBef>
+                <a:spcPts val="1000"/>
+              </a:spcBef>
+              <a:buFont typeface="Arial" panose="020B0604020202020204" pitchFamily="34" charset="0"/>
+              <a:buChar char="•"/>
+              <a:defRPr sz="2800" kern="1200">
+                <a:solidFill>
+                  <a:schemeClr val="tx1"/>
+                </a:solidFill>
+                <a:latin typeface="Roboto Light" panose="02000000000000000000" pitchFamily="2" charset="0"/>
+                <a:ea typeface="Roboto Light" panose="02000000000000000000" pitchFamily="2" charset="0"/>
+                <a:cs typeface="+mn-cs"/>
+              </a:defRPr>
+            </a:lvl1pPr>
+            <a:lvl2pPr marL="685800" indent="-228600" algn="l" defTabSz="914400" rtl="0" eaLnBrk="1" latinLnBrk="0" hangingPunct="1">
+              <a:lnSpc>
+                <a:spcPct val="90000"/>
+              </a:lnSpc>
+              <a:spcBef>
+                <a:spcPts val="500"/>
+              </a:spcBef>
+              <a:buFont typeface="Arial" panose="020B0604020202020204" pitchFamily="34" charset="0"/>
+              <a:buChar char="•"/>
+              <a:defRPr sz="2400" kern="1200">
+                <a:solidFill>
+                  <a:schemeClr val="tx1"/>
+                </a:solidFill>
+                <a:latin typeface="Roboto Light" panose="02000000000000000000" pitchFamily="2" charset="0"/>
+                <a:ea typeface="Roboto Light" panose="02000000000000000000" pitchFamily="2" charset="0"/>
+                <a:cs typeface="+mn-cs"/>
+              </a:defRPr>
+            </a:lvl2pPr>
+            <a:lvl3pPr marL="1143000" indent="-228600" algn="l" defTabSz="914400" rtl="0" eaLnBrk="1" latinLnBrk="0" hangingPunct="1">
+              <a:lnSpc>
+                <a:spcPct val="90000"/>
+              </a:lnSpc>
+              <a:spcBef>
+                <a:spcPts val="500"/>
+              </a:spcBef>
+              <a:buFont typeface="Arial" panose="020B0604020202020204" pitchFamily="34" charset="0"/>
+              <a:buChar char="•"/>
+              <a:defRPr sz="2000" kern="1200">
+                <a:solidFill>
+                  <a:schemeClr val="tx1"/>
+                </a:solidFill>
+                <a:latin typeface="Roboto Light" panose="02000000000000000000" pitchFamily="2" charset="0"/>
+                <a:ea typeface="Roboto Light" panose="02000000000000000000" pitchFamily="2" charset="0"/>
+                <a:cs typeface="+mn-cs"/>
+              </a:defRPr>
+            </a:lvl3pPr>
+            <a:lvl4pPr marL="1600200" indent="-228600" algn="l" defTabSz="914400" rtl="0" eaLnBrk="1" latinLnBrk="0" hangingPunct="1">
+              <a:lnSpc>
+                <a:spcPct val="90000"/>
+              </a:lnSpc>
+              <a:spcBef>
+                <a:spcPts val="500"/>
+              </a:spcBef>
+              <a:buFont typeface="Arial" panose="020B0604020202020204" pitchFamily="34" charset="0"/>
+              <a:buChar char="•"/>
+              <a:defRPr sz="1800" kern="1200">
+                <a:solidFill>
+                  <a:schemeClr val="tx1"/>
+                </a:solidFill>
+                <a:latin typeface="Roboto Light" panose="02000000000000000000" pitchFamily="2" charset="0"/>
+                <a:ea typeface="Roboto Light" panose="02000000000000000000" pitchFamily="2" charset="0"/>
+                <a:cs typeface="+mn-cs"/>
+              </a:defRPr>
+            </a:lvl4pPr>
+            <a:lvl5pPr marL="2057400" indent="-228600" algn="l" defTabSz="914400" rtl="0" eaLnBrk="1" latinLnBrk="0" hangingPunct="1">
+              <a:lnSpc>
+                <a:spcPct val="90000"/>
+              </a:lnSpc>
+              <a:spcBef>
+                <a:spcPts val="500"/>
+              </a:spcBef>
+              <a:buFont typeface="Arial" panose="020B0604020202020204" pitchFamily="34" charset="0"/>
+              <a:buChar char="•"/>
+              <a:defRPr sz="1800" kern="1200">
+                <a:solidFill>
+                  <a:schemeClr val="tx1"/>
+                </a:solidFill>
+                <a:latin typeface="Roboto Light" panose="02000000000000000000" pitchFamily="2" charset="0"/>
+                <a:ea typeface="Roboto Light" panose="02000000000000000000" pitchFamily="2" charset="0"/>
+                <a:cs typeface="+mn-cs"/>
+              </a:defRPr>
+            </a:lvl5pPr>
+            <a:lvl6pPr marL="2514600" indent="-228600" algn="l" defTabSz="914400" rtl="0" eaLnBrk="1" latinLnBrk="0" hangingPunct="1">
+              <a:lnSpc>
+                <a:spcPct val="90000"/>
+              </a:lnSpc>
+              <a:spcBef>
+                <a:spcPts val="500"/>
+              </a:spcBef>
+              <a:buFont typeface="Arial" panose="020B0604020202020204" pitchFamily="34" charset="0"/>
+              <a:buChar char="•"/>
+              <a:defRPr sz="1800" kern="1200">
+                <a:solidFill>
+                  <a:schemeClr val="tx1"/>
+                </a:solidFill>
+                <a:latin typeface="+mn-lt"/>
+                <a:ea typeface="+mn-ea"/>
+                <a:cs typeface="+mn-cs"/>
+              </a:defRPr>
+            </a:lvl6pPr>
+            <a:lvl7pPr marL="2971800" indent="-228600" algn="l" defTabSz="914400" rtl="0" eaLnBrk="1" latinLnBrk="0" hangingPunct="1">
+              <a:lnSpc>
+                <a:spcPct val="90000"/>
+              </a:lnSpc>
+              <a:spcBef>
+                <a:spcPts val="500"/>
+              </a:spcBef>
+              <a:buFont typeface="Arial" panose="020B0604020202020204" pitchFamily="34" charset="0"/>
+              <a:buChar char="•"/>
+              <a:defRPr sz="1800" kern="1200">
+                <a:solidFill>
+                  <a:schemeClr val="tx1"/>
+                </a:solidFill>
+                <a:latin typeface="+mn-lt"/>
+                <a:ea typeface="+mn-ea"/>
+                <a:cs typeface="+mn-cs"/>
+              </a:defRPr>
+            </a:lvl7pPr>
+            <a:lvl8pPr marL="3429000" indent="-228600" algn="l" defTabSz="914400" rtl="0" eaLnBrk="1" latinLnBrk="0" hangingPunct="1">
+              <a:lnSpc>
+                <a:spcPct val="90000"/>
+              </a:lnSpc>
+              <a:spcBef>
+                <a:spcPts val="500"/>
+              </a:spcBef>
+              <a:buFont typeface="Arial" panose="020B0604020202020204" pitchFamily="34" charset="0"/>
+              <a:buChar char="•"/>
+              <a:defRPr sz="1800" kern="1200">
+                <a:solidFill>
+                  <a:schemeClr val="tx1"/>
+                </a:solidFill>
+                <a:latin typeface="+mn-lt"/>
+                <a:ea typeface="+mn-ea"/>
+                <a:cs typeface="+mn-cs"/>
+              </a:defRPr>
+            </a:lvl8pPr>
+            <a:lvl9pPr marL="3886200" indent="-228600" algn="l" defTabSz="914400" rtl="0" eaLnBrk="1" latinLnBrk="0" hangingPunct="1">
+              <a:lnSpc>
+                <a:spcPct val="90000"/>
+              </a:lnSpc>
+              <a:spcBef>
+                <a:spcPts val="500"/>
+              </a:spcBef>
+              <a:buFont typeface="Arial" panose="020B0604020202020204" pitchFamily="34" charset="0"/>
+              <a:buChar char="•"/>
+              <a:defRPr sz="1800" kern="1200">
+                <a:solidFill>
+                  <a:schemeClr val="tx1"/>
+                </a:solidFill>
+                <a:latin typeface="+mn-lt"/>
+                <a:ea typeface="+mn-ea"/>
+                <a:cs typeface="+mn-cs"/>
+              </a:defRPr>
+            </a:lvl9pPr>
+          </a:lstStyle>
+          <a:p>
+            <a:pPr marL="0" indent="0">
+              <a:buFont typeface="Arial" panose="020B0604020202020204" pitchFamily="34" charset="0"/>
+              <a:buNone/>
+            </a:pPr>
+            <a:r>
+              <a:rPr lang="en-IE" sz="2000">
+                <a:latin typeface="Consolas" panose="020B0609020204030204" pitchFamily="49" charset="0"/>
+              </a:rPr>
+              <a:t>SELECT sum(size_bytes)/pow(10,12) as size</a:t>
+            </a:r>
+          </a:p>
+          <a:p>
+            <a:pPr marL="0" indent="0">
+              <a:buFont typeface="Arial" panose="020B0604020202020204" pitchFamily="34" charset="0"/>
+              <a:buNone/>
+            </a:pPr>
+            <a:r>
+              <a:rPr lang="en-IE" sz="2000">
+                <a:latin typeface="Consolas" panose="020B0609020204030204" pitchFamily="49" charset="0"/>
+              </a:rPr>
+              <a:t>FROM `&lt;dataset&gt;.__TABLES__`;</a:t>
+            </a:r>
+          </a:p>
+          <a:p>
+            <a:pPr marL="0" indent="0">
+              <a:buFont typeface="Arial" panose="020B0604020202020204" pitchFamily="34" charset="0"/>
+              <a:buNone/>
+            </a:pPr>
+            <a:endParaRPr lang="en-US" sz="2000">
+              <a:latin typeface="Consolas" panose="020B0609020204030204" pitchFamily="49" charset="0"/>
+            </a:endParaRPr>
+          </a:p>
+          <a:p>
+            <a:r>
+              <a:rPr lang="en-US" sz="2000"/>
+              <a:t>gdelt-bq:gdeltv2 (79TB)</a:t>
+            </a:r>
+          </a:p>
+          <a:p>
+            <a:r>
+              <a:rPr lang="en-IE" sz="2000"/>
+              <a:t>githubarchive:day (6TB)</a:t>
+            </a:r>
+          </a:p>
+          <a:p>
+            <a:r>
+              <a:rPr lang="en-IE" sz="2000"/>
+              <a:t>httparchive:latest (27.5TB)</a:t>
+            </a:r>
+          </a:p>
+        </p:txBody>
+      </p:sp>
     </p:spTree>
     <p:extLst>
       <p:ext uri="{BB962C8B-B14F-4D97-AF65-F5344CB8AC3E}">
-        <p14:creationId xmlns:p14="http://schemas.microsoft.com/office/powerpoint/2010/main" val="1208791051"/>
+        <p14:creationId xmlns:p14="http://schemas.microsoft.com/office/powerpoint/2010/main" val="666571612"/>
       </p:ext>
     </p:extLst>
   </p:cSld>
@@ -8322,7 +8518,7 @@
           <p:cNvPr id="2" name="Title 1">
             <a:extLst>
               <a:ext uri="{FF2B5EF4-FFF2-40B4-BE49-F238E27FC236}">
-                <a16:creationId xmlns:a16="http://schemas.microsoft.com/office/drawing/2014/main" id="{5C06FD94-07F3-4BD8-9539-7DA21F1ECBAD}"/>
+                <a16:creationId xmlns:a16="http://schemas.microsoft.com/office/drawing/2014/main" id="{4FEB050F-F6CE-496F-A2AF-ECE025E3BA0A}"/>
               </a:ext>
             </a:extLst>
           </p:cNvPr>
@@ -8340,6 +8536,256 @@
           <a:p>
             <a:r>
               <a:rPr lang="en-US"/>
+              <a:t>Input Data Formats</a:t>
+            </a:r>
+            <a:endParaRPr lang="en-IE"/>
+          </a:p>
+        </p:txBody>
+      </p:sp>
+      <p:pic>
+        <p:nvPicPr>
+          <p:cNvPr id="5" name="Picture 2" descr="Image result for apache parquet">
+            <a:extLst>
+              <a:ext uri="{FF2B5EF4-FFF2-40B4-BE49-F238E27FC236}">
+                <a16:creationId xmlns:a16="http://schemas.microsoft.com/office/drawing/2014/main" id="{C782369D-0D12-43D1-B993-31E9675128B2}"/>
+              </a:ext>
+            </a:extLst>
+          </p:cNvPr>
+          <p:cNvPicPr>
+            <a:picLocks noChangeAspect="1" noChangeArrowheads="1"/>
+          </p:cNvPicPr>
+          <p:nvPr/>
+        </p:nvPicPr>
+        <p:blipFill>
+          <a:blip r:embed="rId2">
+            <a:extLst>
+              <a:ext uri="{28A0092B-C50C-407E-A947-70E740481C1C}">
+                <a14:useLocalDpi xmlns:a14="http://schemas.microsoft.com/office/drawing/2010/main"/>
+              </a:ext>
+            </a:extLst>
+          </a:blip>
+          <a:srcRect/>
+          <a:stretch>
+            <a:fillRect/>
+          </a:stretch>
+        </p:blipFill>
+        <p:spPr bwMode="auto">
+          <a:xfrm>
+            <a:off x="7721534" y="3787208"/>
+            <a:ext cx="3025006" cy="756252"/>
+          </a:xfrm>
+          <a:prstGeom prst="rect">
+            <a:avLst/>
+          </a:prstGeom>
+          <a:noFill/>
+          <a:extLst>
+            <a:ext uri="{909E8E84-426E-40DD-AFC4-6F175D3DCCD1}">
+              <a14:hiddenFill xmlns:a14="http://schemas.microsoft.com/office/drawing/2010/main">
+                <a:solidFill>
+                  <a:srgbClr val="FFFFFF"/>
+                </a:solidFill>
+              </a14:hiddenFill>
+            </a:ext>
+          </a:extLst>
+        </p:spPr>
+      </p:pic>
+      <p:pic>
+        <p:nvPicPr>
+          <p:cNvPr id="6" name="Picture 5" descr="A close up of a sign&#10;&#10;Description automatically generated">
+            <a:extLst>
+              <a:ext uri="{FF2B5EF4-FFF2-40B4-BE49-F238E27FC236}">
+                <a16:creationId xmlns:a16="http://schemas.microsoft.com/office/drawing/2014/main" id="{90F13582-6F55-4123-8090-508F67288753}"/>
+              </a:ext>
+            </a:extLst>
+          </p:cNvPr>
+          <p:cNvPicPr>
+            <a:picLocks noChangeAspect="1"/>
+          </p:cNvPicPr>
+          <p:nvPr/>
+        </p:nvPicPr>
+        <p:blipFill>
+          <a:blip r:embed="rId3" cstate="print">
+            <a:extLst>
+              <a:ext uri="{28A0092B-C50C-407E-A947-70E740481C1C}">
+                <a14:useLocalDpi xmlns:a14="http://schemas.microsoft.com/office/drawing/2010/main"/>
+              </a:ext>
+            </a:extLst>
+          </a:blip>
+          <a:stretch>
+            <a:fillRect/>
+          </a:stretch>
+        </p:blipFill>
+        <p:spPr>
+          <a:xfrm>
+            <a:off x="1045030" y="3913752"/>
+            <a:ext cx="2214419" cy="754747"/>
+          </a:xfrm>
+          <a:prstGeom prst="rect">
+            <a:avLst/>
+          </a:prstGeom>
+        </p:spPr>
+      </p:pic>
+      <p:pic>
+        <p:nvPicPr>
+          <p:cNvPr id="7" name="Picture 6" descr="A picture containing clock, meter, drawing&#10;&#10;Description automatically generated">
+            <a:extLst>
+              <a:ext uri="{FF2B5EF4-FFF2-40B4-BE49-F238E27FC236}">
+                <a16:creationId xmlns:a16="http://schemas.microsoft.com/office/drawing/2014/main" id="{5E1C604A-DD0D-4D6D-B59B-7654F0F9CD52}"/>
+              </a:ext>
+            </a:extLst>
+          </p:cNvPr>
+          <p:cNvPicPr>
+            <a:picLocks noChangeAspect="1"/>
+          </p:cNvPicPr>
+          <p:nvPr/>
+        </p:nvPicPr>
+        <p:blipFill>
+          <a:blip r:embed="rId4" cstate="print">
+            <a:extLst>
+              <a:ext uri="{28A0092B-C50C-407E-A947-70E740481C1C}">
+                <a14:useLocalDpi xmlns:a14="http://schemas.microsoft.com/office/drawing/2010/main"/>
+              </a:ext>
+            </a:extLst>
+          </a:blip>
+          <a:stretch>
+            <a:fillRect/>
+          </a:stretch>
+        </p:blipFill>
+        <p:spPr>
+          <a:xfrm>
+            <a:off x="5949539" y="2003560"/>
+            <a:ext cx="3080162" cy="1190996"/>
+          </a:xfrm>
+          <a:prstGeom prst="rect">
+            <a:avLst/>
+          </a:prstGeom>
+        </p:spPr>
+      </p:pic>
+      <p:pic>
+        <p:nvPicPr>
+          <p:cNvPr id="8" name="Picture 7" descr="A close up of a logo&#10;&#10;Description automatically generated">
+            <a:extLst>
+              <a:ext uri="{FF2B5EF4-FFF2-40B4-BE49-F238E27FC236}">
+                <a16:creationId xmlns:a16="http://schemas.microsoft.com/office/drawing/2014/main" id="{772A653C-23AE-4A94-B4DF-94ECEF243574}"/>
+              </a:ext>
+            </a:extLst>
+          </p:cNvPr>
+          <p:cNvPicPr>
+            <a:picLocks noChangeAspect="1"/>
+          </p:cNvPicPr>
+          <p:nvPr/>
+        </p:nvPicPr>
+        <p:blipFill>
+          <a:blip r:embed="rId5">
+            <a:extLst>
+              <a:ext uri="{28A0092B-C50C-407E-A947-70E740481C1C}">
+                <a14:useLocalDpi xmlns:a14="http://schemas.microsoft.com/office/drawing/2010/main"/>
+              </a:ext>
+            </a:extLst>
+          </a:blip>
+          <a:stretch>
+            <a:fillRect/>
+          </a:stretch>
+        </p:blipFill>
+        <p:spPr>
+          <a:xfrm>
+            <a:off x="4167212" y="3480076"/>
+            <a:ext cx="2559518" cy="1462581"/>
+          </a:xfrm>
+          <a:prstGeom prst="rect">
+            <a:avLst/>
+          </a:prstGeom>
+        </p:spPr>
+      </p:pic>
+      <p:pic>
+        <p:nvPicPr>
+          <p:cNvPr id="9" name="Picture 8" descr="A close up of a sign&#10;&#10;Description automatically generated">
+            <a:extLst>
+              <a:ext uri="{FF2B5EF4-FFF2-40B4-BE49-F238E27FC236}">
+                <a16:creationId xmlns:a16="http://schemas.microsoft.com/office/drawing/2014/main" id="{7D4AD61D-3A3D-4CDA-B3A0-4E87AF7C1494}"/>
+              </a:ext>
+            </a:extLst>
+          </p:cNvPr>
+          <p:cNvPicPr>
+            <a:picLocks noChangeAspect="1"/>
+          </p:cNvPicPr>
+          <p:nvPr/>
+        </p:nvPicPr>
+        <p:blipFill>
+          <a:blip r:embed="rId6" cstate="print">
+            <a:extLst>
+              <a:ext uri="{28A0092B-C50C-407E-A947-70E740481C1C}">
+                <a14:useLocalDpi xmlns:a14="http://schemas.microsoft.com/office/drawing/2010/main"/>
+              </a:ext>
+            </a:extLst>
+          </a:blip>
+          <a:stretch>
+            <a:fillRect/>
+          </a:stretch>
+        </p:blipFill>
+        <p:spPr>
+          <a:xfrm>
+            <a:off x="2941732" y="1908699"/>
+            <a:ext cx="1225479" cy="1225479"/>
+          </a:xfrm>
+          <a:prstGeom prst="rect">
+            <a:avLst/>
+          </a:prstGeom>
+        </p:spPr>
+      </p:pic>
+    </p:spTree>
+    <p:extLst>
+      <p:ext uri="{BB962C8B-B14F-4D97-AF65-F5344CB8AC3E}">
+        <p14:creationId xmlns:p14="http://schemas.microsoft.com/office/powerpoint/2010/main" val="1208791051"/>
+      </p:ext>
+    </p:extLst>
+  </p:cSld>
+  <p:clrMapOvr>
+    <a:masterClrMapping/>
+  </p:clrMapOvr>
+</p:sld>
+</file>
+
+<file path=ppt/slides/slide5.xml><?xml version="1.0" encoding="utf-8"?>
+<p:sld xmlns:a="http://schemas.openxmlformats.org/drawingml/2006/main" xmlns:r="http://schemas.openxmlformats.org/officeDocument/2006/relationships" xmlns:p="http://schemas.openxmlformats.org/presentationml/2006/main">
+  <p:cSld>
+    <p:spTree>
+      <p:nvGrpSpPr>
+        <p:cNvPr id="1" name=""/>
+        <p:cNvGrpSpPr/>
+        <p:nvPr/>
+      </p:nvGrpSpPr>
+      <p:grpSpPr>
+        <a:xfrm>
+          <a:off x="0" y="0"/>
+          <a:ext cx="0" cy="0"/>
+          <a:chOff x="0" y="0"/>
+          <a:chExt cx="0" cy="0"/>
+        </a:xfrm>
+      </p:grpSpPr>
+      <p:sp>
+        <p:nvSpPr>
+          <p:cNvPr id="2" name="Title 1">
+            <a:extLst>
+              <a:ext uri="{FF2B5EF4-FFF2-40B4-BE49-F238E27FC236}">
+                <a16:creationId xmlns:a16="http://schemas.microsoft.com/office/drawing/2014/main" id="{5C06FD94-07F3-4BD8-9539-7DA21F1ECBAD}"/>
+              </a:ext>
+            </a:extLst>
+          </p:cNvPr>
+          <p:cNvSpPr>
+            <a:spLocks noGrp="1"/>
+          </p:cNvSpPr>
+          <p:nvPr>
+            <p:ph type="title"/>
+          </p:nvPr>
+        </p:nvSpPr>
+        <p:spPr/>
+        <p:txBody>
+          <a:bodyPr/>
+          <a:lstStyle/>
+          <a:p>
+            <a:r>
+              <a:rPr lang="en-US"/>
               <a:t>Data Sources</a:t>
             </a:r>
             <a:endParaRPr lang="en-IE"/>
@@ -8376,7 +8822,7 @@
         </p:blipFill>
         <p:spPr>
           <a:xfrm>
-            <a:off x="731937" y="3356753"/>
+            <a:off x="731937" y="3071003"/>
             <a:ext cx="1764520" cy="882260"/>
           </a:xfrm>
         </p:spPr>
@@ -8395,9 +8841,9 @@
         </p:nvGrpSpPr>
         <p:grpSpPr>
           <a:xfrm>
-            <a:off x="731937" y="2604416"/>
+            <a:off x="731937" y="1744655"/>
             <a:ext cx="1764520" cy="693613"/>
-            <a:chOff x="1263862" y="1487311"/>
+            <a:chOff x="1263862" y="591732"/>
             <a:chExt cx="2753027" cy="1082184"/>
           </a:xfrm>
         </p:grpSpPr>
@@ -8429,7 +8875,7 @@
           </p:blipFill>
           <p:spPr>
             <a:xfrm>
-              <a:off x="1263862" y="1487311"/>
+              <a:off x="1263862" y="591732"/>
               <a:ext cx="1082184" cy="1082184"/>
             </a:xfrm>
             <a:prstGeom prst="rect">
@@ -8451,8 +8897,8 @@
           </p:nvSpPr>
           <p:spPr>
             <a:xfrm>
-              <a:off x="2402344" y="1705238"/>
-              <a:ext cx="1614545" cy="646331"/>
+              <a:off x="2402345" y="809659"/>
+              <a:ext cx="1614544" cy="646331"/>
             </a:xfrm>
             <a:prstGeom prst="rect">
               <a:avLst/>
@@ -8517,7 +8963,7 @@
         </p:blipFill>
         <p:spPr>
           <a:xfrm>
-            <a:off x="3178257" y="2337776"/>
+            <a:off x="3178257" y="2052026"/>
             <a:ext cx="1764519" cy="1226892"/>
           </a:xfrm>
           <a:prstGeom prst="rect">
@@ -8553,7 +8999,7 @@
         </p:blipFill>
         <p:spPr>
           <a:xfrm>
-            <a:off x="731938" y="4530337"/>
+            <a:off x="731938" y="4585998"/>
             <a:ext cx="1764519" cy="840352"/>
           </a:xfrm>
           <a:prstGeom prst="rect">
@@ -8589,7 +9035,7 @@
         </p:blipFill>
         <p:spPr>
           <a:xfrm>
-            <a:off x="9589281" y="1983401"/>
+            <a:off x="9589281" y="1473943"/>
             <a:ext cx="1764519" cy="1104205"/>
           </a:xfrm>
           <a:prstGeom prst="rect">
@@ -8626,7 +9072,7 @@
         </p:blipFill>
         <p:spPr bwMode="auto">
           <a:xfrm>
-            <a:off x="3256424" y="3934319"/>
+            <a:off x="3256424" y="3648569"/>
             <a:ext cx="1686352" cy="1096129"/>
           </a:xfrm>
           <a:prstGeom prst="rect">
@@ -8671,7 +9117,7 @@
         </p:blipFill>
         <p:spPr>
           <a:xfrm>
-            <a:off x="9589280" y="3624383"/>
+            <a:off x="9589281" y="2918457"/>
             <a:ext cx="1764519" cy="1326130"/>
           </a:xfrm>
           <a:prstGeom prst="rect">
@@ -8707,8 +9153,44 @@
         </p:blipFill>
         <p:spPr>
           <a:xfrm>
-            <a:off x="6096000" y="3298029"/>
+            <a:off x="6096000" y="3012279"/>
             <a:ext cx="2503057" cy="852007"/>
+          </a:xfrm>
+          <a:prstGeom prst="rect">
+            <a:avLst/>
+          </a:prstGeom>
+        </p:spPr>
+      </p:pic>
+      <p:pic>
+        <p:nvPicPr>
+          <p:cNvPr id="22" name="Picture 21" descr="A close up of a bird&#10;&#10;Description automatically generated">
+            <a:extLst>
+              <a:ext uri="{FF2B5EF4-FFF2-40B4-BE49-F238E27FC236}">
+                <a16:creationId xmlns:a16="http://schemas.microsoft.com/office/drawing/2014/main" id="{1B54687E-98B3-4C4E-8EB4-B215D2095807}"/>
+              </a:ext>
+            </a:extLst>
+          </p:cNvPr>
+          <p:cNvPicPr>
+            <a:picLocks noChangeAspect="1"/>
+          </p:cNvPicPr>
+          <p:nvPr/>
+        </p:nvPicPr>
+        <p:blipFill>
+          <a:blip r:embed="rId10">
+            <a:extLst>
+              <a:ext uri="{28A0092B-C50C-407E-A947-70E740481C1C}">
+                <a14:useLocalDpi xmlns:a14="http://schemas.microsoft.com/office/drawing/2010/main" val="0"/>
+              </a:ext>
+            </a:extLst>
+          </a:blip>
+          <a:stretch>
+            <a:fillRect/>
+          </a:stretch>
+        </p:blipFill>
+        <p:spPr>
+          <a:xfrm>
+            <a:off x="9806572" y="4385016"/>
+            <a:ext cx="1329936" cy="1329936"/>
           </a:xfrm>
           <a:prstGeom prst="rect">
             <a:avLst/>
@@ -8719,431 +9201,6 @@
     <p:extLst>
       <p:ext uri="{BB962C8B-B14F-4D97-AF65-F5344CB8AC3E}">
         <p14:creationId xmlns:p14="http://schemas.microsoft.com/office/powerpoint/2010/main" val="4107708207"/>
-      </p:ext>
-    </p:extLst>
-  </p:cSld>
-  <p:clrMapOvr>
-    <a:masterClrMapping/>
-  </p:clrMapOvr>
-</p:sld>
-</file>
-
-<file path=ppt/slides/slide5.xml><?xml version="1.0" encoding="utf-8"?>
-<p:sld xmlns:a="http://schemas.openxmlformats.org/drawingml/2006/main" xmlns:r="http://schemas.openxmlformats.org/officeDocument/2006/relationships" xmlns:p="http://schemas.openxmlformats.org/presentationml/2006/main">
-  <p:cSld>
-    <p:spTree>
-      <p:nvGrpSpPr>
-        <p:cNvPr id="1" name=""/>
-        <p:cNvGrpSpPr/>
-        <p:nvPr/>
-      </p:nvGrpSpPr>
-      <p:grpSpPr>
-        <a:xfrm>
-          <a:off x="0" y="0"/>
-          <a:ext cx="0" cy="0"/>
-          <a:chOff x="0" y="0"/>
-          <a:chExt cx="0" cy="0"/>
-        </a:xfrm>
-      </p:grpSpPr>
-      <p:sp>
-        <p:nvSpPr>
-          <p:cNvPr id="2" name="Title 1">
-            <a:extLst>
-              <a:ext uri="{FF2B5EF4-FFF2-40B4-BE49-F238E27FC236}">
-                <a16:creationId xmlns:a16="http://schemas.microsoft.com/office/drawing/2014/main" id="{29F6E7F9-8F65-4BB3-9AEB-9655DA5DE9C6}"/>
-              </a:ext>
-            </a:extLst>
-          </p:cNvPr>
-          <p:cNvSpPr>
-            <a:spLocks noGrp="1"/>
-          </p:cNvSpPr>
-          <p:nvPr>
-            <p:ph type="title"/>
-          </p:nvPr>
-        </p:nvSpPr>
-        <p:spPr/>
-        <p:txBody>
-          <a:bodyPr/>
-          <a:lstStyle/>
-          <a:p>
-            <a:r>
-              <a:rPr lang="en-US"/>
-              <a:t>Sample Datasets</a:t>
-            </a:r>
-            <a:endParaRPr lang="en-IE"/>
-          </a:p>
-        </p:txBody>
-      </p:sp>
-      <p:sp>
-        <p:nvSpPr>
-          <p:cNvPr id="3" name="Content Placeholder 2">
-            <a:extLst>
-              <a:ext uri="{FF2B5EF4-FFF2-40B4-BE49-F238E27FC236}">
-                <a16:creationId xmlns:a16="http://schemas.microsoft.com/office/drawing/2014/main" id="{D823111A-1BE4-4602-96F0-F268B1BCC5CB}"/>
-              </a:ext>
-            </a:extLst>
-          </p:cNvPr>
-          <p:cNvSpPr>
-            <a:spLocks noGrp="1"/>
-          </p:cNvSpPr>
-          <p:nvPr>
-            <p:ph idx="1"/>
-          </p:nvPr>
-        </p:nvSpPr>
-        <p:spPr>
-          <a:xfrm>
-            <a:off x="838200" y="1825625"/>
-            <a:ext cx="10515600" cy="4351338"/>
-          </a:xfrm>
-        </p:spPr>
-        <p:txBody>
-          <a:bodyPr>
-            <a:noAutofit/>
-          </a:bodyPr>
-          <a:lstStyle/>
-          <a:p>
-            <a:r>
-              <a:rPr lang="en-IE" sz="1800"/>
-              <a:t>bigquery-public-data:</a:t>
-            </a:r>
-          </a:p>
-          <a:p>
-            <a:pPr lvl="1"/>
-            <a:r>
-              <a:rPr lang="en-US" sz="1800"/>
-              <a:t>crypto_bitcoin (1.1TB)</a:t>
-            </a:r>
-          </a:p>
-          <a:p>
-            <a:pPr lvl="1"/>
-            <a:r>
-              <a:rPr lang="en-US" sz="1800"/>
-              <a:t>crypto_ethereum (1.4TB)</a:t>
-            </a:r>
-          </a:p>
-          <a:p>
-            <a:pPr lvl="1"/>
-            <a:r>
-              <a:rPr lang="en-US" sz="1800"/>
-              <a:t>github_repos (3.7TB source code)</a:t>
-            </a:r>
-          </a:p>
-          <a:p>
-            <a:r>
-              <a:rPr lang="en-IE" sz="1800"/>
-              <a:t>fh-bigquery:</a:t>
-            </a:r>
-          </a:p>
-          <a:p>
-            <a:pPr lvl="1"/>
-            <a:r>
-              <a:rPr lang="en-IE" sz="1800"/>
-              <a:t>wikipedia_v3</a:t>
-            </a:r>
-            <a:r>
-              <a:rPr lang="en-US" sz="1800"/>
-              <a:t> (11TB pageviews)</a:t>
-            </a:r>
-          </a:p>
-          <a:p>
-            <a:pPr lvl="1"/>
-            <a:r>
-              <a:rPr lang="en-IE" sz="1800"/>
-              <a:t>reddit_comments (1.8TB)</a:t>
-            </a:r>
-          </a:p>
-          <a:p>
-            <a:pPr lvl="1"/>
-            <a:r>
-              <a:rPr lang="en-IE" sz="1800"/>
-              <a:t>reddit_extracts (5.6TB)</a:t>
-            </a:r>
-          </a:p>
-          <a:p>
-            <a:pPr lvl="1"/>
-            <a:r>
-              <a:rPr lang="en-IE" sz="1800"/>
-              <a:t>wikidata (3.5TB)</a:t>
-            </a:r>
-          </a:p>
-          <a:p>
-            <a:pPr lvl="1"/>
-            <a:r>
-              <a:rPr lang="en-IE" sz="1800"/>
-              <a:t>pypi (20TB package installs)</a:t>
-            </a:r>
-          </a:p>
-          <a:p>
-            <a:pPr lvl="1"/>
-            <a:r>
-              <a:rPr lang="en-IE" sz="1800"/>
-              <a:t>stackoverflow (5.2TB)</a:t>
-            </a:r>
-          </a:p>
-          <a:p>
-            <a:pPr lvl="1"/>
-            <a:r>
-              <a:rPr lang="en-IE" sz="1800"/>
-              <a:t>stackoverflow_archive (2TB)</a:t>
-            </a:r>
-          </a:p>
-          <a:p>
-            <a:pPr lvl="1"/>
-            <a:r>
-              <a:rPr lang="en-IE" sz="1800"/>
-              <a:t>wikidata (3.5TB)</a:t>
-            </a:r>
-          </a:p>
-        </p:txBody>
-      </p:sp>
-      <p:sp>
-        <p:nvSpPr>
-          <p:cNvPr id="4" name="Content Placeholder 2">
-            <a:extLst>
-              <a:ext uri="{FF2B5EF4-FFF2-40B4-BE49-F238E27FC236}">
-                <a16:creationId xmlns:a16="http://schemas.microsoft.com/office/drawing/2014/main" id="{444D4E02-0130-4A57-AC68-0DE0272A51A0}"/>
-              </a:ext>
-            </a:extLst>
-          </p:cNvPr>
-          <p:cNvSpPr txBox="1">
-            <a:spLocks/>
-          </p:cNvSpPr>
-          <p:nvPr/>
-        </p:nvSpPr>
-        <p:spPr>
-          <a:xfrm>
-            <a:off x="6096000" y="1825625"/>
-            <a:ext cx="10515600" cy="4351338"/>
-          </a:xfrm>
-          <a:prstGeom prst="rect">
-            <a:avLst/>
-          </a:prstGeom>
-        </p:spPr>
-        <p:txBody>
-          <a:bodyPr vert="horz" lIns="91440" tIns="45720" rIns="91440" bIns="45720" rtlCol="0">
-            <a:noAutofit/>
-          </a:bodyPr>
-          <a:lstStyle>
-            <a:lvl1pPr marL="228600" indent="-228600" algn="l" defTabSz="914400" rtl="0" eaLnBrk="1" latinLnBrk="0" hangingPunct="1">
-              <a:lnSpc>
-                <a:spcPct val="90000"/>
-              </a:lnSpc>
-              <a:spcBef>
-                <a:spcPts val="1000"/>
-              </a:spcBef>
-              <a:buFont typeface="Arial" panose="020B0604020202020204" pitchFamily="34" charset="0"/>
-              <a:buChar char="•"/>
-              <a:defRPr sz="2800" kern="1200">
-                <a:solidFill>
-                  <a:schemeClr val="tx1"/>
-                </a:solidFill>
-                <a:latin typeface="Roboto Light" panose="02000000000000000000" pitchFamily="2" charset="0"/>
-                <a:ea typeface="Roboto Light" panose="02000000000000000000" pitchFamily="2" charset="0"/>
-                <a:cs typeface="+mn-cs"/>
-              </a:defRPr>
-            </a:lvl1pPr>
-            <a:lvl2pPr marL="685800" indent="-228600" algn="l" defTabSz="914400" rtl="0" eaLnBrk="1" latinLnBrk="0" hangingPunct="1">
-              <a:lnSpc>
-                <a:spcPct val="90000"/>
-              </a:lnSpc>
-              <a:spcBef>
-                <a:spcPts val="500"/>
-              </a:spcBef>
-              <a:buFont typeface="Arial" panose="020B0604020202020204" pitchFamily="34" charset="0"/>
-              <a:buChar char="•"/>
-              <a:defRPr sz="2400" kern="1200">
-                <a:solidFill>
-                  <a:schemeClr val="tx1"/>
-                </a:solidFill>
-                <a:latin typeface="Roboto Light" panose="02000000000000000000" pitchFamily="2" charset="0"/>
-                <a:ea typeface="Roboto Light" panose="02000000000000000000" pitchFamily="2" charset="0"/>
-                <a:cs typeface="+mn-cs"/>
-              </a:defRPr>
-            </a:lvl2pPr>
-            <a:lvl3pPr marL="1143000" indent="-228600" algn="l" defTabSz="914400" rtl="0" eaLnBrk="1" latinLnBrk="0" hangingPunct="1">
-              <a:lnSpc>
-                <a:spcPct val="90000"/>
-              </a:lnSpc>
-              <a:spcBef>
-                <a:spcPts val="500"/>
-              </a:spcBef>
-              <a:buFont typeface="Arial" panose="020B0604020202020204" pitchFamily="34" charset="0"/>
-              <a:buChar char="•"/>
-              <a:defRPr sz="2000" kern="1200">
-                <a:solidFill>
-                  <a:schemeClr val="tx1"/>
-                </a:solidFill>
-                <a:latin typeface="Roboto Light" panose="02000000000000000000" pitchFamily="2" charset="0"/>
-                <a:ea typeface="Roboto Light" panose="02000000000000000000" pitchFamily="2" charset="0"/>
-                <a:cs typeface="+mn-cs"/>
-              </a:defRPr>
-            </a:lvl3pPr>
-            <a:lvl4pPr marL="1600200" indent="-228600" algn="l" defTabSz="914400" rtl="0" eaLnBrk="1" latinLnBrk="0" hangingPunct="1">
-              <a:lnSpc>
-                <a:spcPct val="90000"/>
-              </a:lnSpc>
-              <a:spcBef>
-                <a:spcPts val="500"/>
-              </a:spcBef>
-              <a:buFont typeface="Arial" panose="020B0604020202020204" pitchFamily="34" charset="0"/>
-              <a:buChar char="•"/>
-              <a:defRPr sz="1800" kern="1200">
-                <a:solidFill>
-                  <a:schemeClr val="tx1"/>
-                </a:solidFill>
-                <a:latin typeface="Roboto Light" panose="02000000000000000000" pitchFamily="2" charset="0"/>
-                <a:ea typeface="Roboto Light" panose="02000000000000000000" pitchFamily="2" charset="0"/>
-                <a:cs typeface="+mn-cs"/>
-              </a:defRPr>
-            </a:lvl4pPr>
-            <a:lvl5pPr marL="2057400" indent="-228600" algn="l" defTabSz="914400" rtl="0" eaLnBrk="1" latinLnBrk="0" hangingPunct="1">
-              <a:lnSpc>
-                <a:spcPct val="90000"/>
-              </a:lnSpc>
-              <a:spcBef>
-                <a:spcPts val="500"/>
-              </a:spcBef>
-              <a:buFont typeface="Arial" panose="020B0604020202020204" pitchFamily="34" charset="0"/>
-              <a:buChar char="•"/>
-              <a:defRPr sz="1800" kern="1200">
-                <a:solidFill>
-                  <a:schemeClr val="tx1"/>
-                </a:solidFill>
-                <a:latin typeface="Roboto Light" panose="02000000000000000000" pitchFamily="2" charset="0"/>
-                <a:ea typeface="Roboto Light" panose="02000000000000000000" pitchFamily="2" charset="0"/>
-                <a:cs typeface="+mn-cs"/>
-              </a:defRPr>
-            </a:lvl5pPr>
-            <a:lvl6pPr marL="2514600" indent="-228600" algn="l" defTabSz="914400" rtl="0" eaLnBrk="1" latinLnBrk="0" hangingPunct="1">
-              <a:lnSpc>
-                <a:spcPct val="90000"/>
-              </a:lnSpc>
-              <a:spcBef>
-                <a:spcPts val="500"/>
-              </a:spcBef>
-              <a:buFont typeface="Arial" panose="020B0604020202020204" pitchFamily="34" charset="0"/>
-              <a:buChar char="•"/>
-              <a:defRPr sz="1800" kern="1200">
-                <a:solidFill>
-                  <a:schemeClr val="tx1"/>
-                </a:solidFill>
-                <a:latin typeface="+mn-lt"/>
-                <a:ea typeface="+mn-ea"/>
-                <a:cs typeface="+mn-cs"/>
-              </a:defRPr>
-            </a:lvl6pPr>
-            <a:lvl7pPr marL="2971800" indent="-228600" algn="l" defTabSz="914400" rtl="0" eaLnBrk="1" latinLnBrk="0" hangingPunct="1">
-              <a:lnSpc>
-                <a:spcPct val="90000"/>
-              </a:lnSpc>
-              <a:spcBef>
-                <a:spcPts val="500"/>
-              </a:spcBef>
-              <a:buFont typeface="Arial" panose="020B0604020202020204" pitchFamily="34" charset="0"/>
-              <a:buChar char="•"/>
-              <a:defRPr sz="1800" kern="1200">
-                <a:solidFill>
-                  <a:schemeClr val="tx1"/>
-                </a:solidFill>
-                <a:latin typeface="+mn-lt"/>
-                <a:ea typeface="+mn-ea"/>
-                <a:cs typeface="+mn-cs"/>
-              </a:defRPr>
-            </a:lvl7pPr>
-            <a:lvl8pPr marL="3429000" indent="-228600" algn="l" defTabSz="914400" rtl="0" eaLnBrk="1" latinLnBrk="0" hangingPunct="1">
-              <a:lnSpc>
-                <a:spcPct val="90000"/>
-              </a:lnSpc>
-              <a:spcBef>
-                <a:spcPts val="500"/>
-              </a:spcBef>
-              <a:buFont typeface="Arial" panose="020B0604020202020204" pitchFamily="34" charset="0"/>
-              <a:buChar char="•"/>
-              <a:defRPr sz="1800" kern="1200">
-                <a:solidFill>
-                  <a:schemeClr val="tx1"/>
-                </a:solidFill>
-                <a:latin typeface="+mn-lt"/>
-                <a:ea typeface="+mn-ea"/>
-                <a:cs typeface="+mn-cs"/>
-              </a:defRPr>
-            </a:lvl8pPr>
-            <a:lvl9pPr marL="3886200" indent="-228600" algn="l" defTabSz="914400" rtl="0" eaLnBrk="1" latinLnBrk="0" hangingPunct="1">
-              <a:lnSpc>
-                <a:spcPct val="90000"/>
-              </a:lnSpc>
-              <a:spcBef>
-                <a:spcPts val="500"/>
-              </a:spcBef>
-              <a:buFont typeface="Arial" panose="020B0604020202020204" pitchFamily="34" charset="0"/>
-              <a:buChar char="•"/>
-              <a:defRPr sz="1800" kern="1200">
-                <a:solidFill>
-                  <a:schemeClr val="tx1"/>
-                </a:solidFill>
-                <a:latin typeface="+mn-lt"/>
-                <a:ea typeface="+mn-ea"/>
-                <a:cs typeface="+mn-cs"/>
-              </a:defRPr>
-            </a:lvl9pPr>
-          </a:lstStyle>
-          <a:p>
-            <a:pPr marL="0" indent="0">
-              <a:buFont typeface="Arial" panose="020B0604020202020204" pitchFamily="34" charset="0"/>
-              <a:buNone/>
-            </a:pPr>
-            <a:r>
-              <a:rPr lang="en-IE" sz="1800">
-                <a:latin typeface="Consolas" panose="020B0609020204030204" pitchFamily="49" charset="0"/>
-              </a:rPr>
-              <a:t>SELECT sum(size_bytes)/pow(10,12) as size</a:t>
-            </a:r>
-          </a:p>
-          <a:p>
-            <a:pPr marL="0" indent="0">
-              <a:buFont typeface="Arial" panose="020B0604020202020204" pitchFamily="34" charset="0"/>
-              <a:buNone/>
-            </a:pPr>
-            <a:r>
-              <a:rPr lang="en-IE" sz="1800">
-                <a:latin typeface="Consolas" panose="020B0609020204030204" pitchFamily="49" charset="0"/>
-              </a:rPr>
-              <a:t>FROM `&lt;dataset&gt;.__TABLES__`;</a:t>
-            </a:r>
-          </a:p>
-          <a:p>
-            <a:pPr marL="0" indent="0">
-              <a:buFont typeface="Arial" panose="020B0604020202020204" pitchFamily="34" charset="0"/>
-              <a:buNone/>
-            </a:pPr>
-            <a:endParaRPr lang="en-US" sz="1800">
-              <a:latin typeface="Consolas" panose="020B0609020204030204" pitchFamily="49" charset="0"/>
-            </a:endParaRPr>
-          </a:p>
-          <a:p>
-            <a:r>
-              <a:rPr lang="en-US" sz="1800"/>
-              <a:t>gdelt-bq:gdeltv2 (79TB)</a:t>
-            </a:r>
-          </a:p>
-          <a:p>
-            <a:r>
-              <a:rPr lang="en-IE" sz="1800"/>
-              <a:t>githubarchive:day (6TB)</a:t>
-            </a:r>
-          </a:p>
-          <a:p>
-            <a:r>
-              <a:rPr lang="en-IE" sz="1800"/>
-              <a:t>httparchive:latest (27.5TB)</a:t>
-            </a:r>
-          </a:p>
-        </p:txBody>
-      </p:sp>
-    </p:spTree>
-    <p:extLst>
-      <p:ext uri="{BB962C8B-B14F-4D97-AF65-F5344CB8AC3E}">
-        <p14:creationId xmlns:p14="http://schemas.microsoft.com/office/powerpoint/2010/main" val="666571612"/>
       </p:ext>
     </p:extLst>
   </p:cSld>
@@ -9191,6 +9248,10 @@
           <a:bodyPr/>
           <a:lstStyle/>
           <a:p>
+            <a:r>
+              <a:rPr lang="en-US"/>
+              <a:t>Dremel</a:t>
+            </a:r>
             <a:endParaRPr lang="en-IE"/>
           </a:p>
         </p:txBody>
@@ -9211,24 +9272,38 @@
             <p:ph idx="1"/>
           </p:nvPr>
         </p:nvSpPr>
-        <p:spPr/>
+        <p:spPr>
+          <a:xfrm>
+            <a:off x="838200" y="1139825"/>
+            <a:ext cx="10515600" cy="4351338"/>
+          </a:xfrm>
+        </p:spPr>
         <p:txBody>
-          <a:bodyPr/>
+          <a:bodyPr>
+            <a:normAutofit/>
+          </a:bodyPr>
           <a:lstStyle/>
           <a:p>
             <a:r>
-              <a:rPr lang="en-IE">
+              <a:rPr lang="en-IE" sz="2400">
                 <a:hlinkClick r:id="rId2"/>
               </a:rPr>
               <a:t>Dremel: Interactive Analysis of Web-Scale Datasets</a:t>
             </a:r>
-            <a:endParaRPr lang="en-IE"/>
+            <a:endParaRPr lang="en-IE" sz="2400"/>
           </a:p>
           <a:p>
             <a:pPr lvl="1"/>
             <a:r>
               <a:rPr lang="en-IE"/>
-              <a:t>inspiration for Apache Drill, Apache Impala</a:t>
+              <a:t>Interactive ad-hoc query system for in-situ nested data, near-realtime</a:t>
+            </a:r>
+          </a:p>
+          <a:p>
+            <a:pPr lvl="1"/>
+            <a:r>
+              <a:rPr lang="en-IE"/>
+              <a:t>Inspiration for Apache Drill, Apache Impala</a:t>
             </a:r>
           </a:p>
           <a:p>
@@ -9242,14 +9317,14 @@
             <a:pPr lvl="1"/>
             <a:r>
               <a:rPr lang="en-IE"/>
+              <a:t>1s Query Planning</a:t>
+            </a:r>
+          </a:p>
+          <a:p>
+            <a:pPr lvl="1"/>
+            <a:r>
+              <a:rPr lang="en-IE"/>
               <a:t>Query Execution</a:t>
-            </a:r>
-          </a:p>
-          <a:p>
-            <a:pPr lvl="1"/>
-            <a:r>
-              <a:rPr lang="en-IE"/>
-              <a:t>Interactive ad-hoc query system for in-situ nested data, near-realtime</a:t>
             </a:r>
           </a:p>
           <a:p>
@@ -9268,8 +9343,29 @@
           </a:p>
           <a:p>
             <a:r>
+              <a:rPr lang="en-IE" sz="2400"/>
+              <a:t>Cost</a:t>
+            </a:r>
+          </a:p>
+          <a:p>
+            <a:pPr lvl="1"/>
+            <a:r>
               <a:rPr lang="en-IE"/>
-              <a:t>storage (active - changed within 90 days, long-term older than 90 days)</a:t>
+              <a:t>$5 / TB processed</a:t>
+            </a:r>
+          </a:p>
+          <a:p>
+            <a:pPr lvl="1"/>
+            <a:r>
+              <a:rPr lang="en-IE"/>
+              <a:t>active storage - $0.02/ GB/ month</a:t>
+            </a:r>
+          </a:p>
+          <a:p>
+            <a:pPr lvl="1"/>
+            <a:r>
+              <a:rPr lang="en-IE"/>
+              <a:t>long-term storage (90 days) $0.01 /GB/ month</a:t>
             </a:r>
           </a:p>
         </p:txBody>
@@ -9355,38 +9451,8 @@
         </p:blipFill>
         <p:spPr>
           <a:xfrm>
-            <a:off x="6871375" y="2363454"/>
-            <a:ext cx="5320625" cy="3550648"/>
-          </a:xfrm>
-          <a:prstGeom prst="rect">
-            <a:avLst/>
-          </a:prstGeom>
-        </p:spPr>
-      </p:pic>
-      <p:pic>
-        <p:nvPicPr>
-          <p:cNvPr id="5" name="Picture 4">
-            <a:extLst>
-              <a:ext uri="{FF2B5EF4-FFF2-40B4-BE49-F238E27FC236}">
-                <a16:creationId xmlns:a16="http://schemas.microsoft.com/office/drawing/2014/main" id="{3164FC01-6B2D-45BF-A740-B049A6B2FD68}"/>
-              </a:ext>
-            </a:extLst>
-          </p:cNvPr>
-          <p:cNvPicPr>
-            <a:picLocks noChangeAspect="1"/>
-          </p:cNvPicPr>
-          <p:nvPr/>
-        </p:nvPicPr>
-        <p:blipFill>
-          <a:blip r:embed="rId3"/>
-          <a:stretch>
-            <a:fillRect/>
-          </a:stretch>
-        </p:blipFill>
-        <p:spPr>
-          <a:xfrm>
-            <a:off x="318792" y="2749270"/>
-            <a:ext cx="6238944" cy="2779015"/>
+            <a:off x="2619376" y="1325563"/>
+            <a:ext cx="7124700" cy="4754573"/>
           </a:xfrm>
           <a:prstGeom prst="rect">
             <a:avLst/>
@@ -9428,7 +9494,7 @@
           <p:cNvPr id="2" name="Title 1">
             <a:extLst>
               <a:ext uri="{FF2B5EF4-FFF2-40B4-BE49-F238E27FC236}">
-                <a16:creationId xmlns:a16="http://schemas.microsoft.com/office/drawing/2014/main" id="{364DCE9D-1E50-4161-BB79-6F4CB5E50B45}"/>
+                <a16:creationId xmlns:a16="http://schemas.microsoft.com/office/drawing/2014/main" id="{8F6D206B-9930-4464-814D-15F44C22B931}"/>
               </a:ext>
             </a:extLst>
           </p:cNvPr>
@@ -9446,123 +9512,51 @@
           <a:p>
             <a:r>
               <a:rPr lang="en-US"/>
-              <a:t>Athena</a:t>
+              <a:t>Architecture</a:t>
             </a:r>
             <a:endParaRPr lang="en-IE"/>
           </a:p>
         </p:txBody>
       </p:sp>
-      <p:sp>
-        <p:nvSpPr>
-          <p:cNvPr id="3" name="Content Placeholder 2">
+      <p:pic>
+        <p:nvPicPr>
+          <p:cNvPr id="5" name="Content Placeholder 4" descr="A screenshot of a cell phone&#10;&#10;Description automatically generated">
             <a:extLst>
               <a:ext uri="{FF2B5EF4-FFF2-40B4-BE49-F238E27FC236}">
-                <a16:creationId xmlns:a16="http://schemas.microsoft.com/office/drawing/2014/main" id="{DD7E9B27-672A-46CF-BC99-05B427FC3F60}"/>
+                <a16:creationId xmlns:a16="http://schemas.microsoft.com/office/drawing/2014/main" id="{D0793AE4-6184-4971-ABAE-4E2493F17CC8}"/>
               </a:ext>
             </a:extLst>
           </p:cNvPr>
-          <p:cNvSpPr>
-            <a:spLocks noGrp="1"/>
-          </p:cNvSpPr>
+          <p:cNvPicPr>
+            <a:picLocks noGrp="1" noChangeAspect="1"/>
+          </p:cNvPicPr>
           <p:nvPr>
             <p:ph idx="1"/>
           </p:nvPr>
-        </p:nvSpPr>
+        </p:nvPicPr>
+        <p:blipFill>
+          <a:blip r:embed="rId2">
+            <a:extLst>
+              <a:ext uri="{28A0092B-C50C-407E-A947-70E740481C1C}">
+                <a14:useLocalDpi xmlns:a14="http://schemas.microsoft.com/office/drawing/2010/main"/>
+              </a:ext>
+            </a:extLst>
+          </a:blip>
+          <a:stretch>
+            <a:fillRect/>
+          </a:stretch>
+        </p:blipFill>
         <p:spPr>
           <a:xfrm>
-            <a:off x="838200" y="1325563"/>
-            <a:ext cx="10515600" cy="4351338"/>
+            <a:off x="6096000" y="409575"/>
+            <a:ext cx="5042081" cy="5660798"/>
           </a:xfrm>
         </p:spPr>
-        <p:txBody>
-          <a:bodyPr>
-            <a:noAutofit/>
-          </a:bodyPr>
-          <a:lstStyle/>
-          <a:p>
-            <a:r>
-              <a:rPr lang="en-US" sz="1800"/>
-              <a:t>from S3</a:t>
-            </a:r>
-          </a:p>
-          <a:p>
-            <a:r>
-              <a:rPr lang="en-US" sz="1800"/>
-              <a:t>results within seconds</a:t>
-            </a:r>
-          </a:p>
-          <a:p>
-            <a:r>
-              <a:rPr lang="en-US" sz="1800"/>
-              <a:t>SQL</a:t>
-            </a:r>
-          </a:p>
-          <a:p>
-            <a:r>
-              <a:rPr lang="en-US" sz="1800"/>
-              <a:t>pay-per-query ($5/ tb) + s3 storage cost ($0.023/ GB)</a:t>
-            </a:r>
-          </a:p>
-          <a:p>
-            <a:r>
-              <a:rPr lang="en-US" sz="1800"/>
-              <a:t>no UDF</a:t>
-            </a:r>
-          </a:p>
-          <a:p>
-            <a:r>
-              <a:rPr lang="en-US" sz="1800"/>
-              <a:t>more partitioning (vs. date-based only; BQ now also supports clustering)</a:t>
-            </a:r>
-          </a:p>
-          <a:p>
-            <a:r>
-              <a:rPr lang="en-US" sz="1800"/>
-              <a:t>results stored in s3</a:t>
-            </a:r>
-          </a:p>
-          <a:p>
-            <a:r>
-              <a:rPr lang="en-US" sz="1800"/>
-              <a:t>uses Hive to create tables</a:t>
-            </a:r>
-          </a:p>
-          <a:p>
-            <a:r>
-              <a:rPr lang="en-US" sz="1800"/>
-              <a:t>uses Presto for queries</a:t>
-            </a:r>
-          </a:p>
-          <a:p>
-            <a:r>
-              <a:rPr lang="en-US" sz="1800"/>
-              <a:t>built for running queries on smaller, single data source</a:t>
-            </a:r>
-          </a:p>
-          <a:p>
-            <a:r>
-              <a:rPr lang="en-US" sz="1800"/>
-              <a:t>columnar??</a:t>
-            </a:r>
-          </a:p>
-          <a:p>
-            <a:r>
-              <a:rPr lang="en-IE" sz="1800"/>
-              <a:t>https://chartio.com/resources/tutorials/bigquery-vs-athena/</a:t>
-            </a:r>
-          </a:p>
-          <a:p>
-            <a:r>
-              <a:rPr lang="en-IE" sz="1800"/>
-              <a:t>https://medium.com/cloudwithmore/aws-athena-vs-google-bigquery-81a5e885d5c6</a:t>
-            </a:r>
-          </a:p>
-        </p:txBody>
-      </p:sp>
+      </p:pic>
     </p:spTree>
     <p:extLst>
       <p:ext uri="{BB962C8B-B14F-4D97-AF65-F5344CB8AC3E}">
-        <p14:creationId xmlns:p14="http://schemas.microsoft.com/office/powerpoint/2010/main" val="633459921"/>
+        <p14:creationId xmlns:p14="http://schemas.microsoft.com/office/powerpoint/2010/main" val="3850839026"/>
       </p:ext>
     </p:extLst>
   </p:cSld>
@@ -9589,76 +9583,12 @@
           <a:chExt cx="0" cy="0"/>
         </a:xfrm>
       </p:grpSpPr>
-      <p:sp>
-        <p:nvSpPr>
-          <p:cNvPr id="2" name="Title 1">
-            <a:extLst>
-              <a:ext uri="{FF2B5EF4-FFF2-40B4-BE49-F238E27FC236}">
-                <a16:creationId xmlns:a16="http://schemas.microsoft.com/office/drawing/2014/main" id="{8F6D206B-9930-4464-814D-15F44C22B931}"/>
-              </a:ext>
-            </a:extLst>
-          </p:cNvPr>
-          <p:cNvSpPr>
-            <a:spLocks noGrp="1"/>
-          </p:cNvSpPr>
-          <p:nvPr>
-            <p:ph type="title"/>
-          </p:nvPr>
-        </p:nvSpPr>
-        <p:spPr/>
-        <p:txBody>
-          <a:bodyPr/>
-          <a:lstStyle/>
-          <a:p>
-            <a:r>
-              <a:rPr lang="en-US"/>
-              <a:t>Architecture</a:t>
-            </a:r>
-            <a:endParaRPr lang="en-IE"/>
-          </a:p>
-        </p:txBody>
-      </p:sp>
       <p:pic>
         <p:nvPicPr>
-          <p:cNvPr id="5" name="Content Placeholder 4" descr="A screenshot of a cell phone&#10;&#10;Description automatically generated">
+          <p:cNvPr id="5" name="Picture 4">
             <a:extLst>
               <a:ext uri="{FF2B5EF4-FFF2-40B4-BE49-F238E27FC236}">
-                <a16:creationId xmlns:a16="http://schemas.microsoft.com/office/drawing/2014/main" id="{D0793AE4-6184-4971-ABAE-4E2493F17CC8}"/>
-              </a:ext>
-            </a:extLst>
-          </p:cNvPr>
-          <p:cNvPicPr>
-            <a:picLocks noGrp="1" noChangeAspect="1"/>
-          </p:cNvPicPr>
-          <p:nvPr>
-            <p:ph idx="1"/>
-          </p:nvPr>
-        </p:nvPicPr>
-        <p:blipFill>
-          <a:blip r:embed="rId2">
-            <a:extLst>
-              <a:ext uri="{28A0092B-C50C-407E-A947-70E740481C1C}">
-                <a14:useLocalDpi xmlns:a14="http://schemas.microsoft.com/office/drawing/2010/main"/>
-              </a:ext>
-            </a:extLst>
-          </a:blip>
-          <a:stretch>
-            <a:fillRect/>
-          </a:stretch>
-        </p:blipFill>
-        <p:spPr>
-          <a:xfrm>
-            <a:off x="4221795" y="3105150"/>
-            <a:ext cx="2624363" cy="2946400"/>
-          </a:xfrm>
-        </p:spPr>
-      </p:pic>
-      <p:pic>
-        <p:nvPicPr>
-          <p:cNvPr id="7" name="Picture 6" descr="A screenshot of a cell phone&#10;&#10;Description automatically generated">
-            <a:extLst>
-              <a:ext uri="{FF2B5EF4-FFF2-40B4-BE49-F238E27FC236}">
-                <a16:creationId xmlns:a16="http://schemas.microsoft.com/office/drawing/2014/main" id="{58520FCB-74C3-47BC-9670-BF49E08353AC}"/>
+                <a16:creationId xmlns:a16="http://schemas.microsoft.com/office/drawing/2014/main" id="{8ECB545F-4A8D-4372-81CD-2E2BE0C1F958}"/>
               </a:ext>
             </a:extLst>
           </p:cNvPr>
@@ -9667,94 +9597,21 @@
           </p:cNvPicPr>
           <p:nvPr/>
         </p:nvPicPr>
-        <p:blipFill>
-          <a:blip r:embed="rId3" cstate="print">
+        <p:blipFill rotWithShape="1">
+          <a:blip r:embed="rId2" cstate="print">
             <a:extLst>
               <a:ext uri="{28A0092B-C50C-407E-A947-70E740481C1C}">
                 <a14:useLocalDpi xmlns:a14="http://schemas.microsoft.com/office/drawing/2010/main"/>
               </a:ext>
             </a:extLst>
           </a:blip>
-          <a:stretch>
-            <a:fillRect/>
-          </a:stretch>
+          <a:srcRect/>
+          <a:stretch/>
         </p:blipFill>
         <p:spPr>
           <a:xfrm>
-            <a:off x="7347277" y="568325"/>
-            <a:ext cx="3891093" cy="2244725"/>
-          </a:xfrm>
-          <a:prstGeom prst="rect">
-            <a:avLst/>
-          </a:prstGeom>
-        </p:spPr>
-      </p:pic>
-      <p:pic>
-        <p:nvPicPr>
-          <p:cNvPr id="9" name="Picture 8" descr="A screenshot of a cell phone&#10;&#10;Description automatically generated">
-            <a:extLst>
-              <a:ext uri="{FF2B5EF4-FFF2-40B4-BE49-F238E27FC236}">
-                <a16:creationId xmlns:a16="http://schemas.microsoft.com/office/drawing/2014/main" id="{8A5A1B8E-0A76-4AA6-ACE2-830466AC8C89}"/>
-              </a:ext>
-            </a:extLst>
-          </p:cNvPr>
-          <p:cNvPicPr>
-            <a:picLocks noChangeAspect="1"/>
-          </p:cNvPicPr>
-          <p:nvPr/>
-        </p:nvPicPr>
-        <p:blipFill>
-          <a:blip r:embed="rId4" cstate="print">
-            <a:extLst>
-              <a:ext uri="{28A0092B-C50C-407E-A947-70E740481C1C}">
-                <a14:useLocalDpi xmlns:a14="http://schemas.microsoft.com/office/drawing/2010/main"/>
-              </a:ext>
-            </a:extLst>
-          </a:blip>
-          <a:stretch>
-            <a:fillRect/>
-          </a:stretch>
-        </p:blipFill>
-        <p:spPr>
-          <a:xfrm>
-            <a:off x="206048" y="3133402"/>
-            <a:ext cx="3384877" cy="2918148"/>
-          </a:xfrm>
-          <a:prstGeom prst="rect">
-            <a:avLst/>
-          </a:prstGeom>
-        </p:spPr>
-      </p:pic>
-      <p:pic>
-        <p:nvPicPr>
-          <p:cNvPr id="13" name="Picture 12" descr="A screenshot of a social media post&#10;&#10;Description automatically generated">
-            <a:extLst>
-              <a:ext uri="{FF2B5EF4-FFF2-40B4-BE49-F238E27FC236}">
-                <a16:creationId xmlns:a16="http://schemas.microsoft.com/office/drawing/2014/main" id="{559B1CA3-7079-4D47-A0CD-2DB8ED3EBC47}"/>
-              </a:ext>
-            </a:extLst>
-          </p:cNvPr>
-          <p:cNvPicPr>
-            <a:picLocks noChangeAspect="1"/>
-          </p:cNvPicPr>
-          <p:nvPr/>
-        </p:nvPicPr>
-        <p:blipFill>
-          <a:blip r:embed="rId5">
-            <a:extLst>
-              <a:ext uri="{28A0092B-C50C-407E-A947-70E740481C1C}">
-                <a14:useLocalDpi xmlns:a14="http://schemas.microsoft.com/office/drawing/2010/main"/>
-              </a:ext>
-            </a:extLst>
-          </a:blip>
-          <a:stretch>
-            <a:fillRect/>
-          </a:stretch>
-        </p:blipFill>
-        <p:spPr>
-          <a:xfrm>
-            <a:off x="7347277" y="3086536"/>
-            <a:ext cx="3891093" cy="2965013"/>
+            <a:off x="709612" y="0"/>
+            <a:ext cx="10772775" cy="6122933"/>
           </a:xfrm>
           <a:prstGeom prst="rect">
             <a:avLst/>
@@ -9764,7 +9621,7 @@
     </p:spTree>
     <p:extLst>
       <p:ext uri="{BB962C8B-B14F-4D97-AF65-F5344CB8AC3E}">
-        <p14:creationId xmlns:p14="http://schemas.microsoft.com/office/powerpoint/2010/main" val="3850839026"/>
+        <p14:creationId xmlns:p14="http://schemas.microsoft.com/office/powerpoint/2010/main" val="3918865248"/>
       </p:ext>
     </p:extLst>
   </p:cSld>
